--- a/12. Verbal Ability/U3C2-Active and Passive Voice.pptx
+++ b/12. Verbal Ability/U3C2-Active and Passive Voice.pptx
@@ -112,6 +112,22 @@
       </a:defRPr>
     </a:lvl9pPr>
   </p:defaultTextStyle>
+  <p:extLst>
+    <p:ext uri="{EFAFB233-063F-42B5-8137-9DF3F51BA10A}">
+      <p15:sldGuideLst xmlns:p15="http://schemas.microsoft.com/office/powerpoint/2012/main">
+        <p15:guide id="1" orient="horz" pos="2160">
+          <p15:clr>
+            <a:srgbClr val="A4A3A4"/>
+          </p15:clr>
+        </p15:guide>
+        <p15:guide id="2" pos="2880">
+          <p15:clr>
+            <a:srgbClr val="A4A3A4"/>
+          </p15:clr>
+        </p15:guide>
+      </p15:sldGuideLst>
+    </p:ext>
+  </p:extLst>
 </p:presentation>
 </file>
 
@@ -159,7 +175,7 @@
           </a:lstStyle>
           <a:p>
             <a:r>
-              <a:rPr lang="en-US" smtClean="0"/>
+              <a:rPr lang="en-US"/>
               <a:t>Click to edit Master title style</a:t>
             </a:r>
             <a:endParaRPr lang="en-US" dirty="0"/>
@@ -279,7 +295,7 @@
           </a:lstStyle>
           <a:p>
             <a:r>
-              <a:rPr lang="en-US" smtClean="0"/>
+              <a:rPr lang="en-US"/>
               <a:t>Click to edit Master subtitle style</a:t>
             </a:r>
             <a:endParaRPr lang="en-US" dirty="0"/>
@@ -304,7 +320,7 @@
             <a:fld id="{1D8BD707-D9CF-40AE-B4C6-C98DA3205C09}" type="datetimeFigureOut">
               <a:rPr lang="en-US" smtClean="0"/>
               <a:pPr/>
-              <a:t>8/6/2016</a:t>
+              <a:t>12/25/2024</a:t>
             </a:fld>
             <a:endParaRPr lang="en-US"/>
           </a:p>
@@ -437,7 +453,7 @@
     </p:spTree>
     <p:extLst>
       <p:ext uri="{BB962C8B-B14F-4D97-AF65-F5344CB8AC3E}">
-        <p14:creationId xmlns:p14="http://schemas.microsoft.com/office/powerpoint/2010/main" xmlns="" val="1039658543"/>
+        <p14:creationId xmlns:p14="http://schemas.microsoft.com/office/powerpoint/2010/main" val="1039658543"/>
       </p:ext>
     </p:extLst>
   </p:cSld>
@@ -491,7 +507,7 @@
           </a:lstStyle>
           <a:p>
             <a:r>
-              <a:rPr lang="en-US" smtClean="0"/>
+              <a:rPr lang="en-US"/>
               <a:t>Click to edit Master title style</a:t>
             </a:r>
             <a:endParaRPr lang="en-US" dirty="0"/>
@@ -614,7 +630,7 @@
           <a:p>
             <a:pPr lvl="0"/>
             <a:r>
-              <a:rPr lang="en-US" smtClean="0"/>
+              <a:rPr lang="en-US"/>
               <a:t>Click to edit Master text styles</a:t>
             </a:r>
           </a:p>
@@ -638,7 +654,7 @@
             <a:fld id="{1D8BD707-D9CF-40AE-B4C6-C98DA3205C09}" type="datetimeFigureOut">
               <a:rPr lang="en-US" smtClean="0"/>
               <a:pPr/>
-              <a:t>8/6/2016</a:t>
+              <a:t>12/25/2024</a:t>
             </a:fld>
             <a:endParaRPr lang="en-US"/>
           </a:p>
@@ -775,7 +791,7 @@
     </p:spTree>
     <p:extLst>
       <p:ext uri="{BB962C8B-B14F-4D97-AF65-F5344CB8AC3E}">
-        <p14:creationId xmlns:p14="http://schemas.microsoft.com/office/powerpoint/2010/main" xmlns="" val="1855360893"/>
+        <p14:creationId xmlns:p14="http://schemas.microsoft.com/office/powerpoint/2010/main" val="1855360893"/>
       </p:ext>
     </p:extLst>
   </p:cSld>
@@ -829,7 +845,7 @@
           </a:lstStyle>
           <a:p>
             <a:r>
-              <a:rPr lang="en-US" smtClean="0"/>
+              <a:rPr lang="en-US"/>
               <a:t>Click to edit Master title style</a:t>
             </a:r>
             <a:endParaRPr lang="en-US" dirty="0"/>
@@ -893,7 +909,7 @@
           <a:p>
             <a:pPr lvl="0"/>
             <a:r>
-              <a:rPr lang="en-US" smtClean="0"/>
+              <a:rPr lang="en-US"/>
               <a:t>Click to edit Master text styles</a:t>
             </a:r>
           </a:p>
@@ -1015,7 +1031,7 @@
           <a:p>
             <a:pPr lvl="0"/>
             <a:r>
-              <a:rPr lang="en-US" smtClean="0"/>
+              <a:rPr lang="en-US"/>
               <a:t>Click to edit Master text styles</a:t>
             </a:r>
           </a:p>
@@ -1039,7 +1055,7 @@
             <a:fld id="{1D8BD707-D9CF-40AE-B4C6-C98DA3205C09}" type="datetimeFigureOut">
               <a:rPr lang="en-US" smtClean="0"/>
               <a:pPr/>
-              <a:t>8/6/2016</a:t>
+              <a:t>12/25/2024</a:t>
             </a:fld>
             <a:endParaRPr lang="en-US"/>
           </a:p>
@@ -1252,7 +1268,7 @@
     </p:spTree>
     <p:extLst>
       <p:ext uri="{BB962C8B-B14F-4D97-AF65-F5344CB8AC3E}">
-        <p14:creationId xmlns:p14="http://schemas.microsoft.com/office/powerpoint/2010/main" xmlns="" val="3382637614"/>
+        <p14:creationId xmlns:p14="http://schemas.microsoft.com/office/powerpoint/2010/main" val="3382637614"/>
       </p:ext>
     </p:extLst>
   </p:cSld>
@@ -1306,7 +1322,7 @@
           </a:lstStyle>
           <a:p>
             <a:r>
-              <a:rPr lang="en-US" smtClean="0"/>
+              <a:rPr lang="en-US"/>
               <a:t>Click to edit Master title style</a:t>
             </a:r>
             <a:endParaRPr lang="en-US" dirty="0"/>
@@ -1351,7 +1367,7 @@
               <a:buNone/>
             </a:pPr>
             <a:r>
-              <a:rPr lang="en-US" smtClean="0"/>
+              <a:rPr lang="en-US"/>
               <a:t>Click to edit Master text styles</a:t>
             </a:r>
           </a:p>
@@ -1375,7 +1391,7 @@
             <a:fld id="{1D8BD707-D9CF-40AE-B4C6-C98DA3205C09}" type="datetimeFigureOut">
               <a:rPr lang="en-US" smtClean="0"/>
               <a:pPr/>
-              <a:t>8/6/2016</a:t>
+              <a:t>12/25/2024</a:t>
             </a:fld>
             <a:endParaRPr lang="en-US"/>
           </a:p>
@@ -1512,7 +1528,7 @@
     </p:spTree>
     <p:extLst>
       <p:ext uri="{BB962C8B-B14F-4D97-AF65-F5344CB8AC3E}">
-        <p14:creationId xmlns:p14="http://schemas.microsoft.com/office/powerpoint/2010/main" xmlns="" val="2122779095"/>
+        <p14:creationId xmlns:p14="http://schemas.microsoft.com/office/powerpoint/2010/main" val="2122779095"/>
       </p:ext>
     </p:extLst>
   </p:cSld>
@@ -1566,7 +1582,7 @@
           </a:lstStyle>
           <a:p>
             <a:r>
-              <a:rPr lang="en-US" smtClean="0"/>
+              <a:rPr lang="en-US"/>
               <a:t>Click to edit Master title style</a:t>
             </a:r>
             <a:endParaRPr lang="en-US" dirty="0"/>
@@ -1627,7 +1643,7 @@
           <a:p>
             <a:pPr lvl="0"/>
             <a:r>
-              <a:rPr lang="en-US" smtClean="0"/>
+              <a:rPr lang="en-US"/>
               <a:t>Click to edit Master text styles</a:t>
             </a:r>
           </a:p>
@@ -1671,7 +1687,7 @@
               <a:buNone/>
             </a:pPr>
             <a:r>
-              <a:rPr lang="en-US" smtClean="0"/>
+              <a:rPr lang="en-US"/>
               <a:t>Click to edit Master text styles</a:t>
             </a:r>
           </a:p>
@@ -1695,7 +1711,7 @@
             <a:fld id="{1D8BD707-D9CF-40AE-B4C6-C98DA3205C09}" type="datetimeFigureOut">
               <a:rPr lang="en-US" smtClean="0"/>
               <a:pPr/>
-              <a:t>8/6/2016</a:t>
+              <a:t>12/25/2024</a:t>
             </a:fld>
             <a:endParaRPr lang="en-US"/>
           </a:p>
@@ -1908,7 +1924,7 @@
     </p:spTree>
     <p:extLst>
       <p:ext uri="{BB962C8B-B14F-4D97-AF65-F5344CB8AC3E}">
-        <p14:creationId xmlns:p14="http://schemas.microsoft.com/office/powerpoint/2010/main" xmlns="" val="477099458"/>
+        <p14:creationId xmlns:p14="http://schemas.microsoft.com/office/powerpoint/2010/main" val="477099458"/>
       </p:ext>
     </p:extLst>
   </p:cSld>
@@ -1962,7 +1978,7 @@
           </a:lstStyle>
           <a:p>
             <a:r>
-              <a:rPr lang="en-US" smtClean="0"/>
+              <a:rPr lang="en-US"/>
               <a:t>Click to edit Master title style</a:t>
             </a:r>
             <a:endParaRPr lang="en-US" dirty="0"/>
@@ -2023,7 +2039,7 @@
           <a:p>
             <a:pPr lvl="0"/>
             <a:r>
-              <a:rPr lang="en-US" smtClean="0"/>
+              <a:rPr lang="en-US"/>
               <a:t>Click to edit Master text styles</a:t>
             </a:r>
           </a:p>
@@ -2067,7 +2083,7 @@
               <a:buNone/>
             </a:pPr>
             <a:r>
-              <a:rPr lang="en-US" smtClean="0"/>
+              <a:rPr lang="en-US"/>
               <a:t>Click to edit Master text styles</a:t>
             </a:r>
           </a:p>
@@ -2091,7 +2107,7 @@
             <a:fld id="{1D8BD707-D9CF-40AE-B4C6-C98DA3205C09}" type="datetimeFigureOut">
               <a:rPr lang="en-US" smtClean="0"/>
               <a:pPr/>
-              <a:t>8/6/2016</a:t>
+              <a:t>12/25/2024</a:t>
             </a:fld>
             <a:endParaRPr lang="en-US"/>
           </a:p>
@@ -2228,7 +2244,7 @@
     </p:spTree>
     <p:extLst>
       <p:ext uri="{BB962C8B-B14F-4D97-AF65-F5344CB8AC3E}">
-        <p14:creationId xmlns:p14="http://schemas.microsoft.com/office/powerpoint/2010/main" xmlns="" val="4027779530"/>
+        <p14:creationId xmlns:p14="http://schemas.microsoft.com/office/powerpoint/2010/main" val="4027779530"/>
       </p:ext>
     </p:extLst>
   </p:cSld>
@@ -2271,7 +2287,7 @@
           <a:lstStyle/>
           <a:p>
             <a:r>
-              <a:rPr lang="en-US" smtClean="0"/>
+              <a:rPr lang="en-US"/>
               <a:t>Click to edit Master title style</a:t>
             </a:r>
             <a:endParaRPr lang="en-US" dirty="0"/>
@@ -2295,35 +2311,35 @@
           <a:p>
             <a:pPr lvl="0"/>
             <a:r>
-              <a:rPr lang="en-US" smtClean="0"/>
+              <a:rPr lang="en-US"/>
               <a:t>Click to edit Master text styles</a:t>
             </a:r>
           </a:p>
           <a:p>
             <a:pPr lvl="1"/>
             <a:r>
-              <a:rPr lang="en-US" smtClean="0"/>
+              <a:rPr lang="en-US"/>
               <a:t>Second level</a:t>
             </a:r>
           </a:p>
           <a:p>
             <a:pPr lvl="2"/>
             <a:r>
-              <a:rPr lang="en-US" smtClean="0"/>
+              <a:rPr lang="en-US"/>
               <a:t>Third level</a:t>
             </a:r>
           </a:p>
           <a:p>
             <a:pPr lvl="3"/>
             <a:r>
-              <a:rPr lang="en-US" smtClean="0"/>
+              <a:rPr lang="en-US"/>
               <a:t>Fourth level</a:t>
             </a:r>
           </a:p>
           <a:p>
             <a:pPr lvl="4"/>
             <a:r>
-              <a:rPr lang="en-US" smtClean="0"/>
+              <a:rPr lang="en-US"/>
               <a:t>Fifth level</a:t>
             </a:r>
             <a:endParaRPr lang="en-US" dirty="0"/>
@@ -2348,7 +2364,7 @@
             <a:fld id="{1D8BD707-D9CF-40AE-B4C6-C98DA3205C09}" type="datetimeFigureOut">
               <a:rPr lang="en-US" smtClean="0"/>
               <a:pPr/>
-              <a:t>8/6/2016</a:t>
+              <a:t>12/25/2024</a:t>
             </a:fld>
             <a:endParaRPr lang="en-US"/>
           </a:p>
@@ -2480,7 +2496,7 @@
     </p:spTree>
     <p:extLst>
       <p:ext uri="{BB962C8B-B14F-4D97-AF65-F5344CB8AC3E}">
-        <p14:creationId xmlns:p14="http://schemas.microsoft.com/office/powerpoint/2010/main" xmlns="" val="2427519162"/>
+        <p14:creationId xmlns:p14="http://schemas.microsoft.com/office/powerpoint/2010/main" val="2427519162"/>
       </p:ext>
     </p:extLst>
   </p:cSld>
@@ -2528,7 +2544,7 @@
           <a:lstStyle/>
           <a:p>
             <a:r>
-              <a:rPr lang="en-US" smtClean="0"/>
+              <a:rPr lang="en-US"/>
               <a:t>Click to edit Master title style</a:t>
             </a:r>
             <a:endParaRPr lang="en-US" dirty="0"/>
@@ -2557,35 +2573,35 @@
           <a:p>
             <a:pPr lvl="0"/>
             <a:r>
-              <a:rPr lang="en-US" smtClean="0"/>
+              <a:rPr lang="en-US"/>
               <a:t>Click to edit Master text styles</a:t>
             </a:r>
           </a:p>
           <a:p>
             <a:pPr lvl="1"/>
             <a:r>
-              <a:rPr lang="en-US" smtClean="0"/>
+              <a:rPr lang="en-US"/>
               <a:t>Second level</a:t>
             </a:r>
           </a:p>
           <a:p>
             <a:pPr lvl="2"/>
             <a:r>
-              <a:rPr lang="en-US" smtClean="0"/>
+              <a:rPr lang="en-US"/>
               <a:t>Third level</a:t>
             </a:r>
           </a:p>
           <a:p>
             <a:pPr lvl="3"/>
             <a:r>
-              <a:rPr lang="en-US" smtClean="0"/>
+              <a:rPr lang="en-US"/>
               <a:t>Fourth level</a:t>
             </a:r>
           </a:p>
           <a:p>
             <a:pPr lvl="4"/>
             <a:r>
-              <a:rPr lang="en-US" smtClean="0"/>
+              <a:rPr lang="en-US"/>
               <a:t>Fifth level</a:t>
             </a:r>
             <a:endParaRPr lang="en-US" dirty="0"/>
@@ -2610,7 +2626,7 @@
             <a:fld id="{1D8BD707-D9CF-40AE-B4C6-C98DA3205C09}" type="datetimeFigureOut">
               <a:rPr lang="en-US" smtClean="0"/>
               <a:pPr/>
-              <a:t>8/6/2016</a:t>
+              <a:t>12/25/2024</a:t>
             </a:fld>
             <a:endParaRPr lang="en-US"/>
           </a:p>
@@ -2742,7 +2758,7 @@
     </p:spTree>
     <p:extLst>
       <p:ext uri="{BB962C8B-B14F-4D97-AF65-F5344CB8AC3E}">
-        <p14:creationId xmlns:p14="http://schemas.microsoft.com/office/powerpoint/2010/main" xmlns="" val="1183934707"/>
+        <p14:creationId xmlns:p14="http://schemas.microsoft.com/office/powerpoint/2010/main" val="1183934707"/>
       </p:ext>
     </p:extLst>
   </p:cSld>
@@ -2790,7 +2806,7 @@
           <a:lstStyle/>
           <a:p>
             <a:r>
-              <a:rPr lang="en-US" smtClean="0"/>
+              <a:rPr lang="en-US"/>
               <a:t>Click to edit Master title style</a:t>
             </a:r>
             <a:endParaRPr lang="en-US" dirty="0"/>
@@ -2819,35 +2835,35 @@
           <a:p>
             <a:pPr lvl="0"/>
             <a:r>
-              <a:rPr lang="en-US" smtClean="0"/>
+              <a:rPr lang="en-US"/>
               <a:t>Click to edit Master text styles</a:t>
             </a:r>
           </a:p>
           <a:p>
             <a:pPr lvl="1"/>
             <a:r>
-              <a:rPr lang="en-US" smtClean="0"/>
+              <a:rPr lang="en-US"/>
               <a:t>Second level</a:t>
             </a:r>
           </a:p>
           <a:p>
             <a:pPr lvl="2"/>
             <a:r>
-              <a:rPr lang="en-US" smtClean="0"/>
+              <a:rPr lang="en-US"/>
               <a:t>Third level</a:t>
             </a:r>
           </a:p>
           <a:p>
             <a:pPr lvl="3"/>
             <a:r>
-              <a:rPr lang="en-US" smtClean="0"/>
+              <a:rPr lang="en-US"/>
               <a:t>Fourth level</a:t>
             </a:r>
           </a:p>
           <a:p>
             <a:pPr lvl="4"/>
             <a:r>
-              <a:rPr lang="en-US" smtClean="0"/>
+              <a:rPr lang="en-US"/>
               <a:t>Fifth level</a:t>
             </a:r>
             <a:endParaRPr lang="en-US" dirty="0"/>
@@ -2872,7 +2888,7 @@
             <a:fld id="{1D8BD707-D9CF-40AE-B4C6-C98DA3205C09}" type="datetimeFigureOut">
               <a:rPr lang="en-US" smtClean="0"/>
               <a:pPr/>
-              <a:t>8/6/2016</a:t>
+              <a:t>12/25/2024</a:t>
             </a:fld>
             <a:endParaRPr lang="en-US"/>
           </a:p>
@@ -3004,7 +3020,7 @@
     </p:spTree>
     <p:extLst>
       <p:ext uri="{BB962C8B-B14F-4D97-AF65-F5344CB8AC3E}">
-        <p14:creationId xmlns:p14="http://schemas.microsoft.com/office/powerpoint/2010/main" xmlns="" val="810207407"/>
+        <p14:creationId xmlns:p14="http://schemas.microsoft.com/office/powerpoint/2010/main" val="810207407"/>
       </p:ext>
     </p:extLst>
   </p:cSld>
@@ -3056,7 +3072,7 @@
           </a:lstStyle>
           <a:p>
             <a:r>
-              <a:rPr lang="en-US" smtClean="0"/>
+              <a:rPr lang="en-US"/>
               <a:t>Click to edit Master title style</a:t>
             </a:r>
             <a:endParaRPr lang="en-US" dirty="0"/>
@@ -3177,7 +3193,7 @@
           <a:p>
             <a:pPr lvl="0"/>
             <a:r>
-              <a:rPr lang="en-US" smtClean="0"/>
+              <a:rPr lang="en-US"/>
               <a:t>Click to edit Master text styles</a:t>
             </a:r>
           </a:p>
@@ -3201,7 +3217,7 @@
             <a:fld id="{1D8BD707-D9CF-40AE-B4C6-C98DA3205C09}" type="datetimeFigureOut">
               <a:rPr lang="en-US" smtClean="0"/>
               <a:pPr/>
-              <a:t>8/6/2016</a:t>
+              <a:t>12/25/2024</a:t>
             </a:fld>
             <a:endParaRPr lang="en-US"/>
           </a:p>
@@ -3338,7 +3354,7 @@
     </p:spTree>
     <p:extLst>
       <p:ext uri="{BB962C8B-B14F-4D97-AF65-F5344CB8AC3E}">
-        <p14:creationId xmlns:p14="http://schemas.microsoft.com/office/powerpoint/2010/main" xmlns="" val="545266541"/>
+        <p14:creationId xmlns:p14="http://schemas.microsoft.com/office/powerpoint/2010/main" val="545266541"/>
       </p:ext>
     </p:extLst>
   </p:cSld>
@@ -3381,7 +3397,7 @@
           <a:lstStyle/>
           <a:p>
             <a:r>
-              <a:rPr lang="en-US" smtClean="0"/>
+              <a:rPr lang="en-US"/>
               <a:t>Click to edit Master title style</a:t>
             </a:r>
             <a:endParaRPr lang="en-US" dirty="0"/>
@@ -3412,35 +3428,35 @@
           <a:p>
             <a:pPr lvl="0"/>
             <a:r>
-              <a:rPr lang="en-US" smtClean="0"/>
+              <a:rPr lang="en-US"/>
               <a:t>Click to edit Master text styles</a:t>
             </a:r>
           </a:p>
           <a:p>
             <a:pPr lvl="1"/>
             <a:r>
-              <a:rPr lang="en-US" smtClean="0"/>
+              <a:rPr lang="en-US"/>
               <a:t>Second level</a:t>
             </a:r>
           </a:p>
           <a:p>
             <a:pPr lvl="2"/>
             <a:r>
-              <a:rPr lang="en-US" smtClean="0"/>
+              <a:rPr lang="en-US"/>
               <a:t>Third level</a:t>
             </a:r>
           </a:p>
           <a:p>
             <a:pPr lvl="3"/>
             <a:r>
-              <a:rPr lang="en-US" smtClean="0"/>
+              <a:rPr lang="en-US"/>
               <a:t>Fourth level</a:t>
             </a:r>
           </a:p>
           <a:p>
             <a:pPr lvl="4"/>
             <a:r>
-              <a:rPr lang="en-US" smtClean="0"/>
+              <a:rPr lang="en-US"/>
               <a:t>Fifth level</a:t>
             </a:r>
             <a:endParaRPr lang="en-US" dirty="0"/>
@@ -3471,35 +3487,35 @@
           <a:p>
             <a:pPr lvl="0"/>
             <a:r>
-              <a:rPr lang="en-US" smtClean="0"/>
+              <a:rPr lang="en-US"/>
               <a:t>Click to edit Master text styles</a:t>
             </a:r>
           </a:p>
           <a:p>
             <a:pPr lvl="1"/>
             <a:r>
-              <a:rPr lang="en-US" smtClean="0"/>
+              <a:rPr lang="en-US"/>
               <a:t>Second level</a:t>
             </a:r>
           </a:p>
           <a:p>
             <a:pPr lvl="2"/>
             <a:r>
-              <a:rPr lang="en-US" smtClean="0"/>
+              <a:rPr lang="en-US"/>
               <a:t>Third level</a:t>
             </a:r>
           </a:p>
           <a:p>
             <a:pPr lvl="3"/>
             <a:r>
-              <a:rPr lang="en-US" smtClean="0"/>
+              <a:rPr lang="en-US"/>
               <a:t>Fourth level</a:t>
             </a:r>
           </a:p>
           <a:p>
             <a:pPr lvl="4"/>
             <a:r>
-              <a:rPr lang="en-US" smtClean="0"/>
+              <a:rPr lang="en-US"/>
               <a:t>Fifth level</a:t>
             </a:r>
             <a:endParaRPr lang="en-US" dirty="0"/>
@@ -3524,7 +3540,7 @@
             <a:fld id="{1D8BD707-D9CF-40AE-B4C6-C98DA3205C09}" type="datetimeFigureOut">
               <a:rPr lang="en-US" smtClean="0"/>
               <a:pPr/>
-              <a:t>8/6/2016</a:t>
+              <a:t>12/25/2024</a:t>
             </a:fld>
             <a:endParaRPr lang="en-US"/>
           </a:p>
@@ -3661,7 +3677,7 @@
     </p:spTree>
     <p:extLst>
       <p:ext uri="{BB962C8B-B14F-4D97-AF65-F5344CB8AC3E}">
-        <p14:creationId xmlns:p14="http://schemas.microsoft.com/office/powerpoint/2010/main" xmlns="" val="1354808844"/>
+        <p14:creationId xmlns:p14="http://schemas.microsoft.com/office/powerpoint/2010/main" val="1354808844"/>
       </p:ext>
     </p:extLst>
   </p:cSld>
@@ -3704,7 +3720,7 @@
           <a:lstStyle/>
           <a:p>
             <a:r>
-              <a:rPr lang="en-US" smtClean="0"/>
+              <a:rPr lang="en-US"/>
               <a:t>Click to edit Master title style</a:t>
             </a:r>
             <a:endParaRPr lang="en-US" dirty="0"/>
@@ -3772,7 +3788,7 @@
           <a:p>
             <a:pPr lvl="0"/>
             <a:r>
-              <a:rPr lang="en-US" smtClean="0"/>
+              <a:rPr lang="en-US"/>
               <a:t>Click to edit Master text styles</a:t>
             </a:r>
           </a:p>
@@ -3802,35 +3818,35 @@
           <a:p>
             <a:pPr lvl="0"/>
             <a:r>
-              <a:rPr lang="en-US" smtClean="0"/>
+              <a:rPr lang="en-US"/>
               <a:t>Click to edit Master text styles</a:t>
             </a:r>
           </a:p>
           <a:p>
             <a:pPr lvl="1"/>
             <a:r>
-              <a:rPr lang="en-US" smtClean="0"/>
+              <a:rPr lang="en-US"/>
               <a:t>Second level</a:t>
             </a:r>
           </a:p>
           <a:p>
             <a:pPr lvl="2"/>
             <a:r>
-              <a:rPr lang="en-US" smtClean="0"/>
+              <a:rPr lang="en-US"/>
               <a:t>Third level</a:t>
             </a:r>
           </a:p>
           <a:p>
             <a:pPr lvl="3"/>
             <a:r>
-              <a:rPr lang="en-US" smtClean="0"/>
+              <a:rPr lang="en-US"/>
               <a:t>Fourth level</a:t>
             </a:r>
           </a:p>
           <a:p>
             <a:pPr lvl="4"/>
             <a:r>
-              <a:rPr lang="en-US" smtClean="0"/>
+              <a:rPr lang="en-US"/>
               <a:t>Fifth level</a:t>
             </a:r>
             <a:endParaRPr lang="en-US" dirty="0"/>
@@ -3898,7 +3914,7 @@
           <a:p>
             <a:pPr lvl="0"/>
             <a:r>
-              <a:rPr lang="en-US" smtClean="0"/>
+              <a:rPr lang="en-US"/>
               <a:t>Click to edit Master text styles</a:t>
             </a:r>
           </a:p>
@@ -3928,35 +3944,35 @@
           <a:p>
             <a:pPr lvl="0"/>
             <a:r>
-              <a:rPr lang="en-US" smtClean="0"/>
+              <a:rPr lang="en-US"/>
               <a:t>Click to edit Master text styles</a:t>
             </a:r>
           </a:p>
           <a:p>
             <a:pPr lvl="1"/>
             <a:r>
-              <a:rPr lang="en-US" smtClean="0"/>
+              <a:rPr lang="en-US"/>
               <a:t>Second level</a:t>
             </a:r>
           </a:p>
           <a:p>
             <a:pPr lvl="2"/>
             <a:r>
-              <a:rPr lang="en-US" smtClean="0"/>
+              <a:rPr lang="en-US"/>
               <a:t>Third level</a:t>
             </a:r>
           </a:p>
           <a:p>
             <a:pPr lvl="3"/>
             <a:r>
-              <a:rPr lang="en-US" smtClean="0"/>
+              <a:rPr lang="en-US"/>
               <a:t>Fourth level</a:t>
             </a:r>
           </a:p>
           <a:p>
             <a:pPr lvl="4"/>
             <a:r>
-              <a:rPr lang="en-US" smtClean="0"/>
+              <a:rPr lang="en-US"/>
               <a:t>Fifth level</a:t>
             </a:r>
             <a:endParaRPr lang="en-US" dirty="0"/>
@@ -3981,7 +3997,7 @@
             <a:fld id="{1D8BD707-D9CF-40AE-B4C6-C98DA3205C09}" type="datetimeFigureOut">
               <a:rPr lang="en-US" smtClean="0"/>
               <a:pPr/>
-              <a:t>8/6/2016</a:t>
+              <a:t>12/25/2024</a:t>
             </a:fld>
             <a:endParaRPr lang="en-US"/>
           </a:p>
@@ -4118,7 +4134,7 @@
     </p:spTree>
     <p:extLst>
       <p:ext uri="{BB962C8B-B14F-4D97-AF65-F5344CB8AC3E}">
-        <p14:creationId xmlns:p14="http://schemas.microsoft.com/office/powerpoint/2010/main" xmlns="" val="998785009"/>
+        <p14:creationId xmlns:p14="http://schemas.microsoft.com/office/powerpoint/2010/main" val="998785009"/>
       </p:ext>
     </p:extLst>
   </p:cSld>
@@ -4166,7 +4182,7 @@
           <a:lstStyle/>
           <a:p>
             <a:r>
-              <a:rPr lang="en-US" smtClean="0"/>
+              <a:rPr lang="en-US"/>
               <a:t>Click to edit Master title style</a:t>
             </a:r>
             <a:endParaRPr lang="en-US" dirty="0"/>
@@ -4191,7 +4207,7 @@
             <a:fld id="{1D8BD707-D9CF-40AE-B4C6-C98DA3205C09}" type="datetimeFigureOut">
               <a:rPr lang="en-US" smtClean="0"/>
               <a:pPr/>
-              <a:t>8/6/2016</a:t>
+              <a:t>12/25/2024</a:t>
             </a:fld>
             <a:endParaRPr lang="en-US"/>
           </a:p>
@@ -4323,7 +4339,7 @@
     </p:spTree>
     <p:extLst>
       <p:ext uri="{BB962C8B-B14F-4D97-AF65-F5344CB8AC3E}">
-        <p14:creationId xmlns:p14="http://schemas.microsoft.com/office/powerpoint/2010/main" xmlns="" val="797401396"/>
+        <p14:creationId xmlns:p14="http://schemas.microsoft.com/office/powerpoint/2010/main" val="797401396"/>
       </p:ext>
     </p:extLst>
   </p:cSld>
@@ -4368,7 +4384,7 @@
             <a:fld id="{1D8BD707-D9CF-40AE-B4C6-C98DA3205C09}" type="datetimeFigureOut">
               <a:rPr lang="en-US" smtClean="0"/>
               <a:pPr/>
-              <a:t>8/6/2016</a:t>
+              <a:t>12/25/2024</a:t>
             </a:fld>
             <a:endParaRPr lang="en-US"/>
           </a:p>
@@ -4500,7 +4516,7 @@
     </p:spTree>
     <p:extLst>
       <p:ext uri="{BB962C8B-B14F-4D97-AF65-F5344CB8AC3E}">
-        <p14:creationId xmlns:p14="http://schemas.microsoft.com/office/powerpoint/2010/main" xmlns="" val="2856770234"/>
+        <p14:creationId xmlns:p14="http://schemas.microsoft.com/office/powerpoint/2010/main" val="2856770234"/>
       </p:ext>
     </p:extLst>
   </p:cSld>
@@ -4552,7 +4568,7 @@
           </a:lstStyle>
           <a:p>
             <a:r>
-              <a:rPr lang="en-US" smtClean="0"/>
+              <a:rPr lang="en-US"/>
               <a:t>Click to edit Master title style</a:t>
             </a:r>
             <a:endParaRPr lang="en-US" dirty="0"/>
@@ -4583,35 +4599,35 @@
           <a:p>
             <a:pPr lvl="0"/>
             <a:r>
-              <a:rPr lang="en-US" smtClean="0"/>
+              <a:rPr lang="en-US"/>
               <a:t>Click to edit Master text styles</a:t>
             </a:r>
           </a:p>
           <a:p>
             <a:pPr lvl="1"/>
             <a:r>
-              <a:rPr lang="en-US" smtClean="0"/>
+              <a:rPr lang="en-US"/>
               <a:t>Second level</a:t>
             </a:r>
           </a:p>
           <a:p>
             <a:pPr lvl="2"/>
             <a:r>
-              <a:rPr lang="en-US" smtClean="0"/>
+              <a:rPr lang="en-US"/>
               <a:t>Third level</a:t>
             </a:r>
           </a:p>
           <a:p>
             <a:pPr lvl="3"/>
             <a:r>
-              <a:rPr lang="en-US" smtClean="0"/>
+              <a:rPr lang="en-US"/>
               <a:t>Fourth level</a:t>
             </a:r>
           </a:p>
           <a:p>
             <a:pPr lvl="4"/>
             <a:r>
-              <a:rPr lang="en-US" smtClean="0"/>
+              <a:rPr lang="en-US"/>
               <a:t>Fifth level</a:t>
             </a:r>
             <a:endParaRPr lang="en-US" dirty="0"/>
@@ -4677,7 +4693,7 @@
           <a:p>
             <a:pPr lvl="0"/>
             <a:r>
-              <a:rPr lang="en-US" smtClean="0"/>
+              <a:rPr lang="en-US"/>
               <a:t>Click to edit Master text styles</a:t>
             </a:r>
           </a:p>
@@ -4701,7 +4717,7 @@
             <a:fld id="{1D8BD707-D9CF-40AE-B4C6-C98DA3205C09}" type="datetimeFigureOut">
               <a:rPr lang="en-US" smtClean="0"/>
               <a:pPr/>
-              <a:t>8/6/2016</a:t>
+              <a:t>12/25/2024</a:t>
             </a:fld>
             <a:endParaRPr lang="en-US"/>
           </a:p>
@@ -4833,7 +4849,7 @@
     </p:spTree>
     <p:extLst>
       <p:ext uri="{BB962C8B-B14F-4D97-AF65-F5344CB8AC3E}">
-        <p14:creationId xmlns:p14="http://schemas.microsoft.com/office/powerpoint/2010/main" xmlns="" val="2011980997"/>
+        <p14:creationId xmlns:p14="http://schemas.microsoft.com/office/powerpoint/2010/main" val="2011980997"/>
       </p:ext>
     </p:extLst>
   </p:cSld>
@@ -4887,7 +4903,7 @@
           </a:lstStyle>
           <a:p>
             <a:r>
-              <a:rPr lang="en-US" smtClean="0"/>
+              <a:rPr lang="en-US"/>
               <a:t>Click to edit Master title style</a:t>
             </a:r>
             <a:endParaRPr lang="en-US" dirty="0"/>
@@ -4954,7 +4970,7 @@
           </a:lstStyle>
           <a:p>
             <a:r>
-              <a:rPr lang="en-US" smtClean="0"/>
+              <a:rPr lang="en-US"/>
               <a:t>Click icon to add picture</a:t>
             </a:r>
             <a:endParaRPr lang="en-US" dirty="0"/>
@@ -5022,7 +5038,7 @@
           <a:p>
             <a:pPr lvl="0"/>
             <a:r>
-              <a:rPr lang="en-US" smtClean="0"/>
+              <a:rPr lang="en-US"/>
               <a:t>Click to edit Master text styles</a:t>
             </a:r>
           </a:p>
@@ -5046,7 +5062,7 @@
             <a:fld id="{1D8BD707-D9CF-40AE-B4C6-C98DA3205C09}" type="datetimeFigureOut">
               <a:rPr lang="en-US" smtClean="0"/>
               <a:pPr/>
-              <a:t>8/6/2016</a:t>
+              <a:t>12/25/2024</a:t>
             </a:fld>
             <a:endParaRPr lang="en-US"/>
           </a:p>
@@ -5183,7 +5199,7 @@
     </p:spTree>
     <p:extLst>
       <p:ext uri="{BB962C8B-B14F-4D97-AF65-F5344CB8AC3E}">
-        <p14:creationId xmlns:p14="http://schemas.microsoft.com/office/powerpoint/2010/main" xmlns="" val="966823816"/>
+        <p14:creationId xmlns:p14="http://schemas.microsoft.com/office/powerpoint/2010/main" val="966823816"/>
       </p:ext>
     </p:extLst>
   </p:cSld>
@@ -7058,7 +7074,7 @@
           <a:lstStyle/>
           <a:p>
             <a:r>
-              <a:rPr lang="en-US" smtClean="0"/>
+              <a:rPr lang="en-US"/>
               <a:t>Click to edit Master title style</a:t>
             </a:r>
             <a:endParaRPr lang="en-US" dirty="0"/>
@@ -7092,35 +7108,35 @@
           <a:p>
             <a:pPr lvl="0"/>
             <a:r>
-              <a:rPr lang="en-US" smtClean="0"/>
+              <a:rPr lang="en-US"/>
               <a:t>Click to edit Master text styles</a:t>
             </a:r>
           </a:p>
           <a:p>
             <a:pPr lvl="1"/>
             <a:r>
-              <a:rPr lang="en-US" smtClean="0"/>
+              <a:rPr lang="en-US"/>
               <a:t>Second level</a:t>
             </a:r>
           </a:p>
           <a:p>
             <a:pPr lvl="2"/>
             <a:r>
-              <a:rPr lang="en-US" smtClean="0"/>
+              <a:rPr lang="en-US"/>
               <a:t>Third level</a:t>
             </a:r>
           </a:p>
           <a:p>
             <a:pPr lvl="3"/>
             <a:r>
-              <a:rPr lang="en-US" smtClean="0"/>
+              <a:rPr lang="en-US"/>
               <a:t>Fourth level</a:t>
             </a:r>
           </a:p>
           <a:p>
             <a:pPr lvl="4"/>
             <a:r>
-              <a:rPr lang="en-US" smtClean="0"/>
+              <a:rPr lang="en-US"/>
               <a:t>Fifth level</a:t>
             </a:r>
             <a:endParaRPr lang="en-US" dirty="0"/>
@@ -7163,7 +7179,7 @@
             <a:fld id="{1D8BD707-D9CF-40AE-B4C6-C98DA3205C09}" type="datetimeFigureOut">
               <a:rPr lang="en-US" smtClean="0"/>
               <a:pPr/>
-              <a:t>8/6/2016</a:t>
+              <a:t>12/25/2024</a:t>
             </a:fld>
             <a:endParaRPr lang="en-US"/>
           </a:p>
@@ -7249,7 +7265,7 @@
     </p:spTree>
     <p:extLst>
       <p:ext uri="{BB962C8B-B14F-4D97-AF65-F5344CB8AC3E}">
-        <p14:creationId xmlns:p14="http://schemas.microsoft.com/office/powerpoint/2010/main" xmlns="" val="3055045090"/>
+        <p14:creationId xmlns:p14="http://schemas.microsoft.com/office/powerpoint/2010/main" val="3055045090"/>
       </p:ext>
     </p:extLst>
   </p:cSld>
@@ -7704,10 +7720,9 @@
           <a:p>
             <a:pPr algn="r"/>
             <a:r>
-              <a:rPr lang="en-US" dirty="0" smtClean="0"/>
+              <a:rPr lang="en-US" dirty="0"/>
               <a:t>Active And Passive Voice</a:t>
             </a:r>
-            <a:endParaRPr lang="en-US" dirty="0"/>
           </a:p>
         </p:txBody>
       </p:sp>
@@ -7735,10 +7750,9 @@
           <a:p>
             <a:pPr algn="r"/>
             <a:r>
-              <a:rPr lang="en-US" dirty="0" smtClean="0"/>
+              <a:rPr lang="en-US" dirty="0"/>
               <a:t>SHIVANI M. (PDP Dept.)</a:t>
             </a:r>
-            <a:endParaRPr lang="en-US" dirty="0"/>
           </a:p>
         </p:txBody>
       </p:sp>
@@ -7788,10 +7802,9 @@
           <a:lstStyle/>
           <a:p>
             <a:r>
-              <a:rPr lang="en-US" dirty="0" smtClean="0"/>
+              <a:rPr lang="en-US" dirty="0"/>
               <a:t>Active And Passive Voice</a:t>
             </a:r>
-            <a:endParaRPr lang="en-US" dirty="0"/>
           </a:p>
         </p:txBody>
       </p:sp>
@@ -7819,37 +7832,37 @@
               <a:buNone/>
             </a:pPr>
             <a:r>
-              <a:rPr lang="en-US" dirty="0" smtClean="0"/>
+              <a:rPr lang="en-US" dirty="0"/>
               <a:t>Compare the following sentences;</a:t>
             </a:r>
           </a:p>
           <a:p>
             <a:pPr lvl="1"/>
             <a:r>
-              <a:rPr lang="en-US" dirty="0" smtClean="0"/>
+              <a:rPr lang="en-US" dirty="0"/>
               <a:t>Ram </a:t>
             </a:r>
             <a:r>
-              <a:rPr lang="en-US" u="sng" dirty="0" smtClean="0"/>
+              <a:rPr lang="en-US" u="sng" dirty="0"/>
               <a:t>helps</a:t>
             </a:r>
             <a:r>
-              <a:rPr lang="en-US" dirty="0" smtClean="0"/>
+              <a:rPr lang="en-US" dirty="0"/>
               <a:t> Harry.</a:t>
             </a:r>
           </a:p>
           <a:p>
             <a:pPr lvl="1"/>
             <a:r>
-              <a:rPr lang="en-US" dirty="0" smtClean="0"/>
+              <a:rPr lang="en-US" dirty="0"/>
               <a:t>Harry is </a:t>
             </a:r>
             <a:r>
-              <a:rPr lang="en-US" u="sng" dirty="0" smtClean="0"/>
+              <a:rPr lang="en-US" u="sng" dirty="0"/>
               <a:t>helped</a:t>
             </a:r>
             <a:r>
-              <a:rPr lang="en-US" dirty="0" smtClean="0"/>
+              <a:rPr lang="en-US" dirty="0"/>
               <a:t> by Ram.</a:t>
             </a:r>
           </a:p>
@@ -7858,23 +7871,23 @@
               <a:buNone/>
             </a:pPr>
             <a:r>
-              <a:rPr lang="en-US" dirty="0" smtClean="0"/>
+              <a:rPr lang="en-US" dirty="0"/>
               <a:t>It will be seen that these two sentences express the same meaning. But in the first sentence, form of the Verb shows that the person denoted by the subject </a:t>
             </a:r>
             <a:r>
-              <a:rPr lang="en-US" i="1" dirty="0" smtClean="0"/>
+              <a:rPr lang="en-US" i="1" dirty="0"/>
               <a:t>does</a:t>
             </a:r>
             <a:r>
-              <a:rPr lang="en-US" dirty="0" smtClean="0"/>
+              <a:rPr lang="en-US" dirty="0"/>
               <a:t> </a:t>
             </a:r>
             <a:r>
-              <a:rPr lang="en-US" i="1" dirty="0" smtClean="0"/>
+              <a:rPr lang="en-US" i="1" dirty="0"/>
               <a:t>something</a:t>
             </a:r>
             <a:r>
-              <a:rPr lang="en-US" dirty="0" smtClean="0"/>
+              <a:rPr lang="en-US" dirty="0"/>
               <a:t>.</a:t>
             </a:r>
           </a:p>
@@ -7883,49 +7896,49 @@
               <a:buNone/>
             </a:pPr>
             <a:r>
-              <a:rPr lang="en-US" sz="1600" dirty="0" smtClean="0"/>
+              <a:rPr lang="en-US" sz="1600" dirty="0"/>
               <a:t>	Ram (the person denoted by the subject) </a:t>
             </a:r>
             <a:r>
-              <a:rPr lang="en-US" sz="1600" i="1" dirty="0" smtClean="0"/>
+              <a:rPr lang="en-US" sz="1600" i="1" dirty="0"/>
               <a:t>does</a:t>
             </a:r>
             <a:r>
-              <a:rPr lang="en-US" sz="1600" dirty="0" smtClean="0"/>
+              <a:rPr lang="en-US" sz="1600" dirty="0"/>
               <a:t> </a:t>
             </a:r>
             <a:r>
-              <a:rPr lang="en-US" sz="1600" i="1" dirty="0" smtClean="0"/>
+              <a:rPr lang="en-US" sz="1600" i="1" dirty="0"/>
               <a:t>something</a:t>
             </a:r>
             <a:r>
-              <a:rPr lang="en-US" sz="1600" dirty="0" smtClean="0"/>
+              <a:rPr lang="en-US" sz="1600" dirty="0"/>
               <a:t>.</a:t>
             </a:r>
-            <a:endParaRPr lang="en-US" dirty="0" smtClean="0"/>
+            <a:endParaRPr lang="en-US" dirty="0"/>
           </a:p>
           <a:p>
             <a:pPr marL="0" indent="0">
               <a:buNone/>
             </a:pPr>
             <a:r>
-              <a:rPr lang="en-US" dirty="0" smtClean="0"/>
+              <a:rPr lang="en-US" dirty="0"/>
               <a:t>The verb ‘helps’ is said to be in the </a:t>
             </a:r>
             <a:r>
-              <a:rPr lang="en-US" b="1" dirty="0" smtClean="0"/>
+              <a:rPr lang="en-US" b="1" dirty="0"/>
               <a:t>Active</a:t>
             </a:r>
             <a:r>
-              <a:rPr lang="en-US" dirty="0" smtClean="0"/>
+              <a:rPr lang="en-US" dirty="0"/>
               <a:t> </a:t>
             </a:r>
             <a:r>
-              <a:rPr lang="en-US" b="1" dirty="0" smtClean="0"/>
+              <a:rPr lang="en-US" b="1" dirty="0"/>
               <a:t>Voice</a:t>
             </a:r>
             <a:r>
-              <a:rPr lang="en-US" dirty="0" smtClean="0"/>
+              <a:rPr lang="en-US" dirty="0"/>
               <a:t>.</a:t>
             </a:r>
           </a:p>
@@ -7933,14 +7946,14 @@
             <a:pPr marL="0" indent="0">
               <a:buNone/>
             </a:pPr>
-            <a:endParaRPr lang="en-US" dirty="0" smtClean="0"/>
+            <a:endParaRPr lang="en-US" dirty="0"/>
           </a:p>
           <a:p>
             <a:pPr marL="0" indent="0">
               <a:buNone/>
             </a:pPr>
             <a:r>
-              <a:rPr lang="en-US" dirty="0" smtClean="0"/>
+              <a:rPr lang="en-US" dirty="0"/>
               <a:t>In the second sentence, the form of the Verb shows that something is done to the person denoted by the subject.</a:t>
             </a:r>
           </a:p>
@@ -7949,11 +7962,11 @@
               <a:buNone/>
             </a:pPr>
             <a:r>
-              <a:rPr lang="en-US" dirty="0" smtClean="0"/>
+              <a:rPr lang="en-US" dirty="0"/>
               <a:t>	</a:t>
             </a:r>
             <a:r>
-              <a:rPr lang="en-US" sz="1600" dirty="0" smtClean="0"/>
+              <a:rPr lang="en-US" sz="1600" dirty="0"/>
               <a:t>Something is done to Harry ( the person denoted by the subject).</a:t>
             </a:r>
           </a:p>
@@ -7962,23 +7975,23 @@
               <a:buNone/>
             </a:pPr>
             <a:r>
-              <a:rPr lang="en-US" dirty="0" smtClean="0"/>
+              <a:rPr lang="en-US" dirty="0"/>
               <a:t>The Verb ‘helped’ is said to be in the </a:t>
             </a:r>
             <a:r>
-              <a:rPr lang="en-US" b="1" dirty="0" smtClean="0"/>
+              <a:rPr lang="en-US" b="1" dirty="0"/>
               <a:t>Passive</a:t>
             </a:r>
             <a:r>
-              <a:rPr lang="en-US" dirty="0" smtClean="0"/>
+              <a:rPr lang="en-US" dirty="0"/>
               <a:t> </a:t>
             </a:r>
             <a:r>
-              <a:rPr lang="en-US" b="1" dirty="0" smtClean="0"/>
+              <a:rPr lang="en-US" b="1" dirty="0"/>
               <a:t>Voice</a:t>
             </a:r>
             <a:r>
-              <a:rPr lang="en-US" dirty="0" smtClean="0"/>
+              <a:rPr lang="en-US" dirty="0"/>
               <a:t>.</a:t>
             </a:r>
           </a:p>
@@ -8033,55 +8046,55 @@
               <a:buNone/>
             </a:pPr>
             <a:r>
-              <a:rPr lang="en-US" dirty="0" smtClean="0"/>
+              <a:rPr lang="en-US" dirty="0"/>
               <a:t>Def. – A verb is in the </a:t>
             </a:r>
             <a:r>
-              <a:rPr lang="en-US" b="1" dirty="0" smtClean="0"/>
+              <a:rPr lang="en-US" b="1" dirty="0"/>
               <a:t>Active</a:t>
             </a:r>
             <a:r>
-              <a:rPr lang="en-US" dirty="0" smtClean="0"/>
+              <a:rPr lang="en-US" dirty="0"/>
               <a:t> </a:t>
             </a:r>
             <a:r>
-              <a:rPr lang="en-US" b="1" dirty="0" smtClean="0"/>
+              <a:rPr lang="en-US" b="1" dirty="0"/>
               <a:t>Voice</a:t>
             </a:r>
             <a:r>
-              <a:rPr lang="en-US" dirty="0" smtClean="0"/>
+              <a:rPr lang="en-US" dirty="0"/>
               <a:t> when its form shows (as in the first sentence) that the person or thing denoted by the Subject </a:t>
             </a:r>
             <a:r>
-              <a:rPr lang="en-US" i="1" dirty="0" smtClean="0"/>
+              <a:rPr lang="en-US" i="1" dirty="0"/>
               <a:t>does</a:t>
             </a:r>
             <a:r>
-              <a:rPr lang="en-US" dirty="0" smtClean="0"/>
+              <a:rPr lang="en-US" dirty="0"/>
               <a:t> </a:t>
             </a:r>
             <a:r>
-              <a:rPr lang="en-US" i="1" dirty="0" smtClean="0"/>
+              <a:rPr lang="en-US" i="1" dirty="0"/>
               <a:t>something</a:t>
             </a:r>
             <a:r>
-              <a:rPr lang="en-US" dirty="0" smtClean="0"/>
+              <a:rPr lang="en-US" dirty="0"/>
               <a:t>; or, in other words, is the </a:t>
             </a:r>
             <a:r>
-              <a:rPr lang="en-US" i="1" dirty="0" smtClean="0"/>
+              <a:rPr lang="en-US" i="1" dirty="0"/>
               <a:t>doer</a:t>
             </a:r>
             <a:r>
-              <a:rPr lang="en-US" dirty="0" smtClean="0"/>
+              <a:rPr lang="en-US" dirty="0"/>
               <a:t> of the action. The Active Voice is so called because the person denoted by the Subject </a:t>
             </a:r>
             <a:r>
-              <a:rPr lang="en-US" i="1" dirty="0" smtClean="0"/>
+              <a:rPr lang="en-US" i="1" dirty="0"/>
               <a:t>acts</a:t>
             </a:r>
             <a:r>
-              <a:rPr lang="en-US" dirty="0" smtClean="0"/>
+              <a:rPr lang="en-US" dirty="0"/>
               <a:t>.</a:t>
             </a:r>
           </a:p>
@@ -8089,62 +8102,62 @@
             <a:pPr marL="457200" indent="-457200">
               <a:buNone/>
             </a:pPr>
-            <a:endParaRPr lang="en-US" dirty="0" smtClean="0"/>
+            <a:endParaRPr lang="en-US" dirty="0"/>
           </a:p>
           <a:p>
             <a:pPr marL="457200" indent="-457200">
               <a:buNone/>
             </a:pPr>
             <a:r>
-              <a:rPr lang="en-US" dirty="0" smtClean="0"/>
+              <a:rPr lang="en-US" dirty="0"/>
               <a:t>Def. – A verb is in the </a:t>
             </a:r>
             <a:r>
-              <a:rPr lang="en-US" b="1" dirty="0" smtClean="0"/>
+              <a:rPr lang="en-US" b="1" dirty="0"/>
               <a:t>Passive</a:t>
             </a:r>
             <a:r>
-              <a:rPr lang="en-US" dirty="0" smtClean="0"/>
+              <a:rPr lang="en-US" dirty="0"/>
               <a:t> </a:t>
             </a:r>
             <a:r>
-              <a:rPr lang="en-US" b="1" dirty="0" smtClean="0"/>
+              <a:rPr lang="en-US" b="1" dirty="0"/>
               <a:t>Voice</a:t>
             </a:r>
             <a:r>
-              <a:rPr lang="en-US" dirty="0" smtClean="0"/>
+              <a:rPr lang="en-US" dirty="0"/>
               <a:t> when its form shows (as in the second sentence) that </a:t>
             </a:r>
             <a:r>
-              <a:rPr lang="en-US" i="1" dirty="0" smtClean="0"/>
+              <a:rPr lang="en-US" i="1" dirty="0"/>
               <a:t>something</a:t>
             </a:r>
             <a:r>
-              <a:rPr lang="en-US" dirty="0" smtClean="0"/>
+              <a:rPr lang="en-US" dirty="0"/>
               <a:t> </a:t>
             </a:r>
             <a:r>
-              <a:rPr lang="en-US" i="1" dirty="0" smtClean="0"/>
+              <a:rPr lang="en-US" i="1" dirty="0"/>
               <a:t>is</a:t>
             </a:r>
             <a:r>
-              <a:rPr lang="en-US" dirty="0" smtClean="0"/>
+              <a:rPr lang="en-US" dirty="0"/>
               <a:t> </a:t>
             </a:r>
             <a:r>
-              <a:rPr lang="en-US" i="1" dirty="0" smtClean="0"/>
+              <a:rPr lang="en-US" i="1" dirty="0"/>
               <a:t>done to</a:t>
             </a:r>
             <a:r>
-              <a:rPr lang="en-US" dirty="0" smtClean="0"/>
+              <a:rPr lang="en-US" dirty="0"/>
               <a:t> the person or the thing denoted by the subject. The Passive voice is so called because the person of the thing denoted by the subject is not active but </a:t>
             </a:r>
             <a:r>
-              <a:rPr lang="en-US" i="1" dirty="0" smtClean="0"/>
+              <a:rPr lang="en-US" i="1" dirty="0"/>
               <a:t>passive</a:t>
             </a:r>
             <a:r>
-              <a:rPr lang="en-US" dirty="0" smtClean="0"/>
+              <a:rPr lang="en-US" dirty="0"/>
               <a:t>, that is, suffers or receives some action.</a:t>
             </a:r>
           </a:p>
@@ -8152,33 +8165,32 @@
             <a:pPr marL="457200" indent="-457200">
               <a:buNone/>
             </a:pPr>
-            <a:endParaRPr lang="en-US" i="1" dirty="0" smtClean="0"/>
+            <a:endParaRPr lang="en-US" i="1" dirty="0"/>
           </a:p>
           <a:p>
             <a:pPr marL="457200" indent="-457200">
               <a:buNone/>
             </a:pPr>
             <a:r>
-              <a:rPr lang="en-US" dirty="0" smtClean="0"/>
+              <a:rPr lang="en-US" dirty="0"/>
               <a:t>Def. – Voice is that form of a verb which shows whether what is denoted by the Subject does </a:t>
             </a:r>
             <a:r>
-              <a:rPr lang="en-US" i="1" dirty="0" smtClean="0"/>
+              <a:rPr lang="en-US" i="1" dirty="0"/>
               <a:t>something</a:t>
             </a:r>
             <a:r>
-              <a:rPr lang="en-US" dirty="0" smtClean="0"/>
+              <a:rPr lang="en-US" dirty="0"/>
               <a:t> or </a:t>
             </a:r>
             <a:r>
-              <a:rPr lang="en-US" i="1" dirty="0" smtClean="0"/>
+              <a:rPr lang="en-US" i="1" dirty="0"/>
               <a:t>has something done to it</a:t>
             </a:r>
             <a:r>
-              <a:rPr lang="en-US" dirty="0" smtClean="0"/>
+              <a:rPr lang="en-US" dirty="0"/>
               <a:t>.</a:t>
             </a:r>
-            <a:endParaRPr lang="en-US" dirty="0"/>
           </a:p>
         </p:txBody>
       </p:sp>
@@ -8226,8 +8238,20 @@
                 <a:tableStyleId>{5C22544A-7EE6-4342-B048-85BDC9FD1C3A}</a:tableStyleId>
               </a:tblPr>
               <a:tblGrid>
-                <a:gridCol w="3429000"/>
-                <a:gridCol w="3429000"/>
+                <a:gridCol w="3429000">
+                  <a:extLst>
+                    <a:ext uri="{9D8B030D-6E8A-4147-A177-3AD203B41FA5}">
+                      <a16:colId xmlns:a16="http://schemas.microsoft.com/office/drawing/2014/main" val="20000"/>
+                    </a:ext>
+                  </a:extLst>
+                </a:gridCol>
+                <a:gridCol w="3429000">
+                  <a:extLst>
+                    <a:ext uri="{9D8B030D-6E8A-4147-A177-3AD203B41FA5}">
+                      <a16:colId xmlns:a16="http://schemas.microsoft.com/office/drawing/2014/main" val="20001"/>
+                    </a:ext>
+                  </a:extLst>
+                </a:gridCol>
               </a:tblGrid>
               <a:tr h="543560">
                 <a:tc>
@@ -8237,10 +8261,9 @@
                     <a:p>
                       <a:pPr algn="ctr"/>
                       <a:r>
-                        <a:rPr lang="en-US" sz="2400" dirty="0" smtClean="0"/>
+                        <a:rPr lang="en-US" sz="2400" dirty="0"/>
                         <a:t>Active Voice</a:t>
                       </a:r>
-                      <a:endParaRPr lang="en-US" sz="2400" dirty="0"/>
                     </a:p>
                   </a:txBody>
                   <a:tcPr>
@@ -8280,10 +8303,9 @@
                     <a:p>
                       <a:pPr algn="ctr"/>
                       <a:r>
-                        <a:rPr lang="en-US" sz="2400" dirty="0" smtClean="0"/>
+                        <a:rPr lang="en-US" sz="2400" dirty="0"/>
                         <a:t>Passive Voice</a:t>
                       </a:r>
-                      <a:endParaRPr lang="en-US" sz="2400" dirty="0"/>
                     </a:p>
                   </a:txBody>
                   <a:tcPr>
@@ -8316,6 +8338,11 @@
                     </a:gradFill>
                   </a:tcPr>
                 </a:tc>
+                <a:extLst>
+                  <a:ext uri="{0D108BD9-81ED-4DB2-BD59-A6C34878D82A}">
+                    <a16:rowId xmlns:a16="http://schemas.microsoft.com/office/drawing/2014/main" val="10000"/>
+                  </a:ext>
+                </a:extLst>
               </a:tr>
               <a:tr h="370840">
                 <a:tc>
@@ -8324,19 +8351,19 @@
                     <a:lstStyle/>
                     <a:p>
                       <a:r>
-                        <a:rPr lang="en-US" dirty="0" smtClean="0"/>
+                        <a:rPr lang="en-US" dirty="0"/>
                         <a:t>Serena</a:t>
                       </a:r>
                       <a:r>
-                        <a:rPr lang="en-US" baseline="0" dirty="0" smtClean="0"/>
+                        <a:rPr lang="en-US" baseline="0" dirty="0"/>
                         <a:t> </a:t>
                       </a:r>
                       <a:r>
-                        <a:rPr lang="en-US" u="sng" baseline="0" dirty="0" smtClean="0"/>
+                        <a:rPr lang="en-US" u="sng" baseline="0" dirty="0"/>
                         <a:t>loves</a:t>
                       </a:r>
                       <a:r>
-                        <a:rPr lang="en-US" baseline="0" dirty="0" smtClean="0"/>
+                        <a:rPr lang="en-US" baseline="0" dirty="0"/>
                         <a:t> Susan.</a:t>
                       </a:r>
                       <a:endParaRPr lang="en-US" dirty="0"/>
@@ -8378,18 +8405,17 @@
                     <a:lstStyle/>
                     <a:p>
                       <a:r>
-                        <a:rPr lang="en-US" dirty="0" smtClean="0"/>
+                        <a:rPr lang="en-US" dirty="0"/>
                         <a:t>Susan </a:t>
                       </a:r>
                       <a:r>
-                        <a:rPr lang="en-US" u="sng" dirty="0" smtClean="0"/>
+                        <a:rPr lang="en-US" u="sng" dirty="0"/>
                         <a:t>is loved</a:t>
                       </a:r>
                       <a:r>
-                        <a:rPr lang="en-US" dirty="0" smtClean="0"/>
+                        <a:rPr lang="en-US" dirty="0"/>
                         <a:t> by Serena</a:t>
                       </a:r>
-                      <a:endParaRPr lang="en-US" dirty="0"/>
                     </a:p>
                   </a:txBody>
                   <a:tcPr>
@@ -8422,6 +8448,11 @@
                     </a:gradFill>
                   </a:tcPr>
                 </a:tc>
+                <a:extLst>
+                  <a:ext uri="{0D108BD9-81ED-4DB2-BD59-A6C34878D82A}">
+                    <a16:rowId xmlns:a16="http://schemas.microsoft.com/office/drawing/2014/main" val="10001"/>
+                  </a:ext>
+                </a:extLst>
               </a:tr>
               <a:tr h="370840">
                 <a:tc>
@@ -8430,19 +8461,19 @@
                     <a:lstStyle/>
                     <a:p>
                       <a:r>
-                        <a:rPr lang="en-US" dirty="0" smtClean="0"/>
+                        <a:rPr lang="en-US" dirty="0"/>
                         <a:t>The mason</a:t>
                       </a:r>
                       <a:r>
-                        <a:rPr lang="en-US" baseline="0" dirty="0" smtClean="0"/>
+                        <a:rPr lang="en-US" baseline="0" dirty="0"/>
                         <a:t> </a:t>
                       </a:r>
                       <a:r>
-                        <a:rPr lang="en-US" u="sng" baseline="0" dirty="0" smtClean="0"/>
+                        <a:rPr lang="en-US" u="sng" baseline="0" dirty="0"/>
                         <a:t>is building</a:t>
                       </a:r>
                       <a:r>
-                        <a:rPr lang="en-US" baseline="0" dirty="0" smtClean="0"/>
+                        <a:rPr lang="en-US" baseline="0" dirty="0"/>
                         <a:t> the wall.</a:t>
                       </a:r>
                       <a:endParaRPr lang="en-US" dirty="0"/>
@@ -8484,15 +8515,15 @@
                     <a:lstStyle/>
                     <a:p>
                       <a:r>
-                        <a:rPr lang="en-US" dirty="0" smtClean="0"/>
+                        <a:rPr lang="en-US" dirty="0"/>
                         <a:t>The wall </a:t>
                       </a:r>
                       <a:r>
-                        <a:rPr lang="en-US" u="sng" dirty="0" smtClean="0"/>
+                        <a:rPr lang="en-US" u="sng" dirty="0"/>
                         <a:t>is being built</a:t>
                       </a:r>
                       <a:r>
-                        <a:rPr lang="en-US" baseline="0" dirty="0" smtClean="0"/>
+                        <a:rPr lang="en-US" baseline="0" dirty="0"/>
                         <a:t> by the mason.</a:t>
                       </a:r>
                     </a:p>
@@ -8527,6 +8558,11 @@
                     </a:gradFill>
                   </a:tcPr>
                 </a:tc>
+                <a:extLst>
+                  <a:ext uri="{0D108BD9-81ED-4DB2-BD59-A6C34878D82A}">
+                    <a16:rowId xmlns:a16="http://schemas.microsoft.com/office/drawing/2014/main" val="10002"/>
+                  </a:ext>
+                </a:extLst>
               </a:tr>
               <a:tr h="370840">
                 <a:tc>
@@ -8535,18 +8571,17 @@
                     <a:lstStyle/>
                     <a:p>
                       <a:r>
-                        <a:rPr lang="en-US" dirty="0" smtClean="0"/>
+                        <a:rPr lang="en-US" dirty="0"/>
                         <a:t>The peon </a:t>
                       </a:r>
                       <a:r>
-                        <a:rPr lang="en-US" u="sng" dirty="0" smtClean="0"/>
+                        <a:rPr lang="en-US" u="sng" dirty="0"/>
                         <a:t>opened</a:t>
                       </a:r>
                       <a:r>
-                        <a:rPr lang="en-US" dirty="0" smtClean="0"/>
+                        <a:rPr lang="en-US" dirty="0"/>
                         <a:t> the gate.</a:t>
                       </a:r>
-                      <a:endParaRPr lang="en-US" dirty="0"/>
                     </a:p>
                   </a:txBody>
                   <a:tcPr>
@@ -8585,15 +8620,15 @@
                     <a:lstStyle/>
                     <a:p>
                       <a:r>
-                        <a:rPr lang="en-US" baseline="0" dirty="0" smtClean="0"/>
+                        <a:rPr lang="en-US" baseline="0" dirty="0"/>
                         <a:t>The gate </a:t>
                       </a:r>
                       <a:r>
-                        <a:rPr lang="en-US" u="sng" baseline="0" dirty="0" smtClean="0"/>
+                        <a:rPr lang="en-US" u="sng" baseline="0" dirty="0"/>
                         <a:t>was opened</a:t>
                       </a:r>
                       <a:r>
-                        <a:rPr lang="en-US" baseline="0" dirty="0" smtClean="0"/>
+                        <a:rPr lang="en-US" baseline="0" dirty="0"/>
                         <a:t> by the peon.</a:t>
                       </a:r>
                     </a:p>
@@ -8628,6 +8663,11 @@
                     </a:gradFill>
                   </a:tcPr>
                 </a:tc>
+                <a:extLst>
+                  <a:ext uri="{0D108BD9-81ED-4DB2-BD59-A6C34878D82A}">
+                    <a16:rowId xmlns:a16="http://schemas.microsoft.com/office/drawing/2014/main" val="10003"/>
+                  </a:ext>
+                </a:extLst>
               </a:tr>
               <a:tr h="370840">
                 <a:tc>
@@ -8636,19 +8676,19 @@
                     <a:lstStyle/>
                     <a:p>
                       <a:r>
-                        <a:rPr lang="en-US" dirty="0" smtClean="0"/>
+                        <a:rPr lang="en-US" dirty="0"/>
                         <a:t>Some boys</a:t>
                       </a:r>
                       <a:r>
-                        <a:rPr lang="en-US" baseline="0" dirty="0" smtClean="0"/>
+                        <a:rPr lang="en-US" baseline="0" dirty="0"/>
                         <a:t> </a:t>
                       </a:r>
                       <a:r>
-                        <a:rPr lang="en-US" u="sng" baseline="0" dirty="0" smtClean="0"/>
+                        <a:rPr lang="en-US" u="sng" baseline="0" dirty="0"/>
                         <a:t>were helping</a:t>
                       </a:r>
                       <a:r>
-                        <a:rPr lang="en-US" baseline="0" dirty="0" smtClean="0"/>
+                        <a:rPr lang="en-US" baseline="0" dirty="0"/>
                         <a:t> the wounded man.</a:t>
                       </a:r>
                       <a:endParaRPr lang="en-US" dirty="0"/>
@@ -8690,15 +8730,15 @@
                     <a:lstStyle/>
                     <a:p>
                       <a:r>
-                        <a:rPr lang="en-US" baseline="0" dirty="0" smtClean="0"/>
+                        <a:rPr lang="en-US" baseline="0" dirty="0"/>
                         <a:t>The wounded man was </a:t>
                       </a:r>
                       <a:r>
-                        <a:rPr lang="en-US" u="sng" baseline="0" dirty="0" smtClean="0"/>
+                        <a:rPr lang="en-US" u="sng" baseline="0" dirty="0"/>
                         <a:t>being helped</a:t>
                       </a:r>
                       <a:r>
-                        <a:rPr lang="en-US" baseline="0" dirty="0" smtClean="0"/>
+                        <a:rPr lang="en-US" baseline="0" dirty="0"/>
                         <a:t> by some boys.</a:t>
                       </a:r>
                     </a:p>
@@ -8733,6 +8773,11 @@
                     </a:gradFill>
                   </a:tcPr>
                 </a:tc>
+                <a:extLst>
+                  <a:ext uri="{0D108BD9-81ED-4DB2-BD59-A6C34878D82A}">
+                    <a16:rowId xmlns:a16="http://schemas.microsoft.com/office/drawing/2014/main" val="10004"/>
+                  </a:ext>
+                </a:extLst>
               </a:tr>
               <a:tr h="370840">
                 <a:tc>
@@ -8741,19 +8786,19 @@
                     <a:lstStyle/>
                     <a:p>
                       <a:r>
-                        <a:rPr lang="en-US" dirty="0" smtClean="0"/>
+                        <a:rPr lang="en-US" dirty="0"/>
                         <a:t>He </a:t>
                       </a:r>
                       <a:r>
-                        <a:rPr lang="en-US" u="sng" dirty="0" smtClean="0"/>
+                        <a:rPr lang="en-US" u="sng" dirty="0"/>
                         <a:t>will finish</a:t>
                       </a:r>
                       <a:r>
-                        <a:rPr lang="en-US" dirty="0" smtClean="0"/>
+                        <a:rPr lang="en-US" dirty="0"/>
                         <a:t> the work in</a:t>
                       </a:r>
                       <a:r>
-                        <a:rPr lang="en-US" baseline="0" dirty="0" smtClean="0"/>
+                        <a:rPr lang="en-US" baseline="0" dirty="0"/>
                         <a:t> a fortnight.</a:t>
                       </a:r>
                       <a:endParaRPr lang="en-US" dirty="0"/>
@@ -8795,15 +8840,15 @@
                     <a:lstStyle/>
                     <a:p>
                       <a:r>
-                        <a:rPr lang="en-US" baseline="0" dirty="0" smtClean="0"/>
+                        <a:rPr lang="en-US" baseline="0" dirty="0"/>
                         <a:t>The work </a:t>
                       </a:r>
                       <a:r>
-                        <a:rPr lang="en-US" u="sng" baseline="0" dirty="0" smtClean="0"/>
+                        <a:rPr lang="en-US" u="sng" baseline="0" dirty="0"/>
                         <a:t>will be finished</a:t>
                       </a:r>
                       <a:r>
-                        <a:rPr lang="en-US" baseline="0" dirty="0" smtClean="0"/>
+                        <a:rPr lang="en-US" baseline="0" dirty="0"/>
                         <a:t> by him in a fortnight.</a:t>
                       </a:r>
                     </a:p>
@@ -8838,6 +8883,11 @@
                     </a:gradFill>
                   </a:tcPr>
                 </a:tc>
+                <a:extLst>
+                  <a:ext uri="{0D108BD9-81ED-4DB2-BD59-A6C34878D82A}">
+                    <a16:rowId xmlns:a16="http://schemas.microsoft.com/office/drawing/2014/main" val="10005"/>
+                  </a:ext>
+                </a:extLst>
               </a:tr>
               <a:tr h="370840">
                 <a:tc>
@@ -8846,15 +8896,15 @@
                     <a:lstStyle/>
                     <a:p>
                       <a:r>
-                        <a:rPr lang="en-US" dirty="0" smtClean="0"/>
+                        <a:rPr lang="en-US" dirty="0"/>
                         <a:t>Who </a:t>
                       </a:r>
                       <a:r>
-                        <a:rPr lang="en-US" u="sng" dirty="0" smtClean="0"/>
+                        <a:rPr lang="en-US" u="sng" dirty="0"/>
                         <a:t>did</a:t>
                       </a:r>
                       <a:r>
-                        <a:rPr lang="en-US" baseline="0" dirty="0" smtClean="0"/>
+                        <a:rPr lang="en-US" baseline="0" dirty="0"/>
                         <a:t> this?</a:t>
                       </a:r>
                       <a:endParaRPr lang="en-US" dirty="0"/>
@@ -8896,15 +8946,15 @@
                     <a:lstStyle/>
                     <a:p>
                       <a:r>
-                        <a:rPr lang="en-US" baseline="0" dirty="0" smtClean="0"/>
+                        <a:rPr lang="en-US" baseline="0" dirty="0"/>
                         <a:t>By </a:t>
                       </a:r>
                       <a:r>
-                        <a:rPr lang="en-US" u="sng" baseline="0" dirty="0" smtClean="0"/>
+                        <a:rPr lang="en-US" u="sng" baseline="0" dirty="0"/>
                         <a:t>whom was</a:t>
                       </a:r>
                       <a:r>
-                        <a:rPr lang="en-US" baseline="0" dirty="0" smtClean="0"/>
+                        <a:rPr lang="en-US" baseline="0" dirty="0"/>
                         <a:t> this done?</a:t>
                       </a:r>
                     </a:p>
@@ -8939,6 +8989,11 @@
                     </a:gradFill>
                   </a:tcPr>
                 </a:tc>
+                <a:extLst>
+                  <a:ext uri="{0D108BD9-81ED-4DB2-BD59-A6C34878D82A}">
+                    <a16:rowId xmlns:a16="http://schemas.microsoft.com/office/drawing/2014/main" val="10006"/>
+                  </a:ext>
+                </a:extLst>
               </a:tr>
               <a:tr h="370840">
                 <a:tc>
@@ -8947,23 +9002,23 @@
                     <a:lstStyle/>
                     <a:p>
                       <a:r>
-                        <a:rPr lang="en-US" dirty="0" smtClean="0"/>
+                        <a:rPr lang="en-US" dirty="0"/>
                         <a:t>Why </a:t>
                       </a:r>
                       <a:r>
-                        <a:rPr lang="en-US" u="sng" dirty="0" smtClean="0"/>
+                        <a:rPr lang="en-US" u="sng" dirty="0"/>
                         <a:t>did</a:t>
                       </a:r>
                       <a:r>
-                        <a:rPr lang="en-US" baseline="0" dirty="0" smtClean="0"/>
+                        <a:rPr lang="en-US" baseline="0" dirty="0"/>
                         <a:t> your brother </a:t>
                       </a:r>
                       <a:r>
-                        <a:rPr lang="en-US" u="sng" baseline="0" dirty="0" smtClean="0"/>
+                        <a:rPr lang="en-US" u="sng" baseline="0" dirty="0"/>
                         <a:t>write</a:t>
                       </a:r>
                       <a:r>
-                        <a:rPr lang="en-US" baseline="0" dirty="0" smtClean="0"/>
+                        <a:rPr lang="en-US" baseline="0" dirty="0"/>
                         <a:t> such a letter?</a:t>
                       </a:r>
                       <a:endParaRPr lang="en-US" dirty="0"/>
@@ -9005,23 +9060,23 @@
                     <a:lstStyle/>
                     <a:p>
                       <a:r>
-                        <a:rPr lang="en-US" baseline="0" dirty="0" smtClean="0"/>
+                        <a:rPr lang="en-US" baseline="0" dirty="0"/>
                         <a:t>Why </a:t>
                       </a:r>
                       <a:r>
-                        <a:rPr lang="en-US" u="sng" baseline="0" dirty="0" smtClean="0"/>
+                        <a:rPr lang="en-US" u="sng" baseline="0" dirty="0"/>
                         <a:t>was</a:t>
                       </a:r>
                       <a:r>
-                        <a:rPr lang="en-US" baseline="0" dirty="0" smtClean="0"/>
+                        <a:rPr lang="en-US" baseline="0" dirty="0"/>
                         <a:t> such a letter </a:t>
                       </a:r>
                       <a:r>
-                        <a:rPr lang="en-US" u="sng" baseline="0" dirty="0" smtClean="0"/>
+                        <a:rPr lang="en-US" u="sng" baseline="0" dirty="0"/>
                         <a:t>written</a:t>
                       </a:r>
                       <a:r>
-                        <a:rPr lang="en-US" baseline="0" dirty="0" smtClean="0"/>
+                        <a:rPr lang="en-US" baseline="0" dirty="0"/>
                         <a:t> by your brother?</a:t>
                       </a:r>
                     </a:p>
@@ -9056,6 +9111,11 @@
                     </a:gradFill>
                   </a:tcPr>
                 </a:tc>
+                <a:extLst>
+                  <a:ext uri="{0D108BD9-81ED-4DB2-BD59-A6C34878D82A}">
+                    <a16:rowId xmlns:a16="http://schemas.microsoft.com/office/drawing/2014/main" val="10007"/>
+                  </a:ext>
+                </a:extLst>
               </a:tr>
             </a:tbl>
           </a:graphicData>
@@ -9084,10 +9144,9 @@
           <a:lstStyle/>
           <a:p>
             <a:r>
-              <a:rPr lang="en-US" dirty="0" smtClean="0"/>
+              <a:rPr lang="en-US" dirty="0"/>
               <a:t>Note the change from the Active Voice to the Passive Voice in the following sentences:</a:t>
             </a:r>
-            <a:endParaRPr lang="en-US" dirty="0"/>
           </a:p>
         </p:txBody>
       </p:sp>
@@ -9140,15 +9199,15 @@
               <a:buNone/>
             </a:pPr>
             <a:r>
-              <a:rPr lang="en-US" dirty="0" smtClean="0"/>
+              <a:rPr lang="en-US" dirty="0"/>
               <a:t>It will be noticed that when the Verb is changed from the Active Voice to the Passive Voice, the </a:t>
             </a:r>
             <a:r>
-              <a:rPr lang="en-US" i="1" dirty="0" smtClean="0"/>
+              <a:rPr lang="en-US" i="1" dirty="0"/>
               <a:t>Object</a:t>
             </a:r>
             <a:r>
-              <a:rPr lang="en-US" dirty="0" smtClean="0"/>
+              <a:rPr lang="en-US" dirty="0"/>
               <a:t> of the Transitive Verb in the Active Voice becomes the Subject of the Verb in the Passive Voice.</a:t>
             </a:r>
           </a:p>
@@ -9157,39 +9216,39 @@
               <a:buNone/>
             </a:pPr>
             <a:r>
-              <a:rPr lang="en-US" dirty="0" smtClean="0"/>
+              <a:rPr lang="en-US" dirty="0"/>
               <a:t>[Thus in sentence 1, </a:t>
             </a:r>
             <a:r>
-              <a:rPr lang="en-US" i="1" dirty="0" smtClean="0"/>
+              <a:rPr lang="en-US" i="1" dirty="0"/>
               <a:t>Susan</a:t>
             </a:r>
             <a:r>
-              <a:rPr lang="en-US" dirty="0" smtClean="0"/>
+              <a:rPr lang="en-US" dirty="0"/>
               <a:t> which is the object of </a:t>
             </a:r>
             <a:r>
-              <a:rPr lang="en-US" i="1" dirty="0" smtClean="0"/>
+              <a:rPr lang="en-US" i="1" dirty="0"/>
               <a:t>loves</a:t>
             </a:r>
             <a:r>
-              <a:rPr lang="en-US" dirty="0" smtClean="0"/>
+              <a:rPr lang="en-US" dirty="0"/>
               <a:t> in the Active Voice becomes the Subject of </a:t>
             </a:r>
             <a:r>
-              <a:rPr lang="en-US" i="1" dirty="0" smtClean="0"/>
+              <a:rPr lang="en-US" i="1" dirty="0"/>
               <a:t>is</a:t>
             </a:r>
             <a:r>
-              <a:rPr lang="en-US" dirty="0" smtClean="0"/>
+              <a:rPr lang="en-US" dirty="0"/>
               <a:t> </a:t>
             </a:r>
             <a:r>
-              <a:rPr lang="en-US" i="1" dirty="0" smtClean="0"/>
+              <a:rPr lang="en-US" i="1" dirty="0"/>
               <a:t>loved</a:t>
             </a:r>
             <a:r>
-              <a:rPr lang="en-US" dirty="0" smtClean="0"/>
+              <a:rPr lang="en-US" dirty="0"/>
               <a:t> in the Passive Voice.]</a:t>
             </a:r>
           </a:p>
@@ -9198,18 +9257,17 @@
               <a:buNone/>
             </a:pPr>
             <a:r>
-              <a:rPr lang="en-US" dirty="0" smtClean="0"/>
+              <a:rPr lang="en-US" dirty="0"/>
               <a:t>Since the Object of a verb in the active voice becomes the Subject of the passive form, it follows that </a:t>
             </a:r>
             <a:r>
-              <a:rPr lang="en-US" i="1" dirty="0" smtClean="0"/>
+              <a:rPr lang="en-US" i="1" dirty="0"/>
               <a:t>only Transitive Verbs can be used in the Passive Voice,</a:t>
             </a:r>
             <a:r>
-              <a:rPr lang="en-US" dirty="0" smtClean="0"/>
+              <a:rPr lang="en-US" dirty="0"/>
               <a:t> because an Intransitive Verb has no Object.</a:t>
             </a:r>
-            <a:endParaRPr lang="en-US" dirty="0"/>
           </a:p>
         </p:txBody>
       </p:sp>
@@ -9259,10 +9317,9 @@
           <a:lstStyle/>
           <a:p>
             <a:r>
-              <a:rPr lang="en-US" dirty="0" smtClean="0"/>
+              <a:rPr lang="en-US" dirty="0"/>
               <a:t>Uses of Active And Passive Voice</a:t>
             </a:r>
-            <a:endParaRPr lang="en-US" dirty="0"/>
           </a:p>
         </p:txBody>
       </p:sp>
@@ -9292,54 +9349,42 @@
               <a:buNone/>
             </a:pPr>
             <a:r>
-              <a:rPr lang="en-US" dirty="0" smtClean="0"/>
-              <a:t>The Active Voice is used when the agent (i.e., doer of the action) is to be </a:t>
-            </a:r>
-            <a:r>
-              <a:rPr lang="en-US" dirty="0" smtClean="0"/>
-              <a:t>made prominent; </a:t>
-            </a:r>
-            <a:r>
-              <a:rPr lang="en-US" dirty="0" smtClean="0"/>
-              <a:t>t</a:t>
-            </a:r>
-            <a:r>
-              <a:rPr lang="en-US" dirty="0" smtClean="0"/>
-              <a:t>he Passive, when the person or thing acted upon is to be mad prominent. The Passive is, therefore, generally preferred when the active form would involve the use of an indefinite or vague pronoun or noun (somebody, they, people, we, etc.) as subject; as,</a:t>
+              <a:rPr lang="en-US" dirty="0"/>
+              <a:t>The Active Voice is used when the agent (i.e., doer of the action) is to be made prominent; the Passive, when the person or thing acted upon is to be mad prominent. The Passive is, therefore, generally preferred when the active form would involve the use of an indefinite or vague pronoun or noun (somebody, they, people, we, etc.) as subject; as,</a:t>
             </a:r>
           </a:p>
           <a:p>
             <a:pPr marL="292100" indent="-292100"/>
             <a:r>
-              <a:rPr lang="en-US" dirty="0" smtClean="0"/>
+              <a:rPr lang="en-US" dirty="0"/>
               <a:t>My pen has been stolen. (Somebody has stolen my pen.)</a:t>
             </a:r>
           </a:p>
           <a:p>
             <a:pPr marL="292100" indent="-292100"/>
             <a:r>
-              <a:rPr lang="en-US" dirty="0" smtClean="0"/>
+              <a:rPr lang="en-US" dirty="0"/>
               <a:t>I was asked my name. (They asked me my name.)</a:t>
             </a:r>
           </a:p>
           <a:p>
             <a:pPr marL="292100" indent="-292100"/>
             <a:r>
-              <a:rPr lang="en-US" dirty="0" smtClean="0"/>
+              <a:rPr lang="en-US" dirty="0"/>
               <a:t>English is spoken all over the world. (People speak English all over the world.)</a:t>
             </a:r>
           </a:p>
           <a:p>
             <a:pPr marL="292100" indent="-292100"/>
             <a:r>
-              <a:rPr lang="en-US" dirty="0" smtClean="0"/>
+              <a:rPr lang="en-US" dirty="0"/>
               <a:t>I have been invited to the party. (Someone has invited me to the party.)</a:t>
             </a:r>
           </a:p>
           <a:p>
             <a:pPr marL="292100" indent="-292100"/>
             <a:r>
-              <a:rPr lang="en-US" dirty="0" smtClean="0"/>
+              <a:rPr lang="en-US" dirty="0"/>
               <a:t>We will execute all orders promptly. (All orders will be executed promptly)</a:t>
             </a:r>
           </a:p>
@@ -9348,15 +9393,15 @@
               <a:buNone/>
             </a:pPr>
             <a:r>
-              <a:rPr lang="en-US" dirty="0" smtClean="0"/>
+              <a:rPr lang="en-US" dirty="0"/>
               <a:t>In such cases the agent with </a:t>
             </a:r>
             <a:r>
-              <a:rPr lang="en-US" i="1" u="sng" dirty="0" smtClean="0"/>
+              <a:rPr lang="en-US" i="1" u="sng" dirty="0"/>
               <a:t>by</a:t>
             </a:r>
             <a:r>
-              <a:rPr lang="en-US" dirty="0" smtClean="0"/>
+              <a:rPr lang="en-US" dirty="0"/>
               <a:t> is usually avoided.</a:t>
             </a:r>
           </a:p>
@@ -9365,21 +9410,21 @@
               <a:buNone/>
             </a:pPr>
             <a:r>
-              <a:rPr lang="en-US" dirty="0" smtClean="0"/>
+              <a:rPr lang="en-US" dirty="0"/>
               <a:t>Note: as in the examples given earlier, the </a:t>
             </a:r>
             <a:r>
-              <a:rPr lang="en-US" i="1" dirty="0" smtClean="0"/>
+              <a:rPr lang="en-US" i="1" dirty="0"/>
               <a:t>by-phrase</a:t>
             </a:r>
             <a:r>
-              <a:rPr lang="en-US" dirty="0" smtClean="0"/>
+              <a:rPr lang="en-US" dirty="0"/>
               <a:t> cannot be avoided where the agent has some importance and is necessary to complete the sense.</a:t>
             </a:r>
           </a:p>
           <a:p>
             <a:pPr marL="292100" indent="-292100"/>
-            <a:endParaRPr lang="en-US" dirty="0" smtClean="0"/>
+            <a:endParaRPr lang="en-US" dirty="0"/>
           </a:p>
         </p:txBody>
       </p:sp>
@@ -9434,34 +9479,33 @@
               <a:buNone/>
             </a:pPr>
             <a:r>
-              <a:rPr lang="en-US" dirty="0" smtClean="0"/>
+              <a:rPr lang="en-US" dirty="0"/>
               <a:t>When verbs that take both a direct and an indirect object in the Active Voice are changed to the passive voice, either object may become the subject of the Passive verb, while the other is </a:t>
             </a:r>
             <a:r>
-              <a:rPr lang="en-US" i="1" dirty="0" smtClean="0"/>
+              <a:rPr lang="en-US" i="1" dirty="0"/>
               <a:t>retained</a:t>
             </a:r>
             <a:r>
-              <a:rPr lang="en-US" dirty="0" smtClean="0"/>
+              <a:rPr lang="en-US" dirty="0"/>
               <a:t> and is parsed as the </a:t>
             </a:r>
             <a:r>
-              <a:rPr lang="en-US" b="1" dirty="0" smtClean="0"/>
+              <a:rPr lang="en-US" b="1" dirty="0"/>
               <a:t>Retained</a:t>
             </a:r>
             <a:r>
-              <a:rPr lang="en-US" dirty="0" smtClean="0"/>
+              <a:rPr lang="en-US" dirty="0"/>
               <a:t> </a:t>
             </a:r>
             <a:r>
-              <a:rPr lang="en-US" b="1" dirty="0" smtClean="0"/>
+              <a:rPr lang="en-US" b="1" dirty="0"/>
               <a:t>Object</a:t>
             </a:r>
             <a:r>
-              <a:rPr lang="en-US" dirty="0" smtClean="0"/>
+              <a:rPr lang="en-US" dirty="0"/>
               <a:t> after a Passive verb.</a:t>
             </a:r>
-            <a:endParaRPr lang="en-US" dirty="0"/>
           </a:p>
         </p:txBody>
       </p:sp>
@@ -9484,8 +9528,20 @@
                 <a:tableStyleId>{5C22544A-7EE6-4342-B048-85BDC9FD1C3A}</a:tableStyleId>
               </a:tblPr>
               <a:tblGrid>
-                <a:gridCol w="3429000"/>
-                <a:gridCol w="4038600"/>
+                <a:gridCol w="3429000">
+                  <a:extLst>
+                    <a:ext uri="{9D8B030D-6E8A-4147-A177-3AD203B41FA5}">
+                      <a16:colId xmlns:a16="http://schemas.microsoft.com/office/drawing/2014/main" val="20000"/>
+                    </a:ext>
+                  </a:extLst>
+                </a:gridCol>
+                <a:gridCol w="4038600">
+                  <a:extLst>
+                    <a:ext uri="{9D8B030D-6E8A-4147-A177-3AD203B41FA5}">
+                      <a16:colId xmlns:a16="http://schemas.microsoft.com/office/drawing/2014/main" val="20001"/>
+                    </a:ext>
+                  </a:extLst>
+                </a:gridCol>
               </a:tblGrid>
               <a:tr h="370840">
                 <a:tc>
@@ -9495,10 +9551,9 @@
                     <a:p>
                       <a:pPr algn="ctr"/>
                       <a:r>
-                        <a:rPr lang="en-US" dirty="0" smtClean="0"/>
+                        <a:rPr lang="en-US" dirty="0"/>
                         <a:t>ACTIVE VOICE</a:t>
                       </a:r>
-                      <a:endParaRPr lang="en-US" dirty="0"/>
                     </a:p>
                   </a:txBody>
                   <a:tcPr>
@@ -9516,10 +9571,9 @@
                     <a:p>
                       <a:pPr algn="ctr"/>
                       <a:r>
-                        <a:rPr lang="en-US" dirty="0" smtClean="0"/>
+                        <a:rPr lang="en-US" dirty="0"/>
                         <a:t>PASSIVE VOICE</a:t>
                       </a:r>
-                      <a:endParaRPr lang="en-US" dirty="0"/>
                     </a:p>
                   </a:txBody>
                   <a:tcPr>
@@ -9530,6 +9584,11 @@
                     </a:solidFill>
                   </a:tcPr>
                 </a:tc>
+                <a:extLst>
+                  <a:ext uri="{0D108BD9-81ED-4DB2-BD59-A6C34878D82A}">
+                    <a16:rowId xmlns:a16="http://schemas.microsoft.com/office/drawing/2014/main" val="10000"/>
+                  </a:ext>
+                </a:extLst>
               </a:tr>
               <a:tr h="370840">
                 <a:tc>
@@ -9539,10 +9598,9 @@
                     <a:p>
                       <a:pPr algn="l"/>
                       <a:r>
-                        <a:rPr lang="en-US" sz="1700" dirty="0" smtClean="0"/>
+                        <a:rPr lang="en-US" sz="1700" dirty="0"/>
                         <a:t>The Durban refused him admittance.</a:t>
                       </a:r>
-                      <a:endParaRPr lang="en-US" sz="1700" dirty="0"/>
                     </a:p>
                   </a:txBody>
                   <a:tcPr>
@@ -9562,7 +9620,7 @@
                         <a:buAutoNum type="arabicPeriod"/>
                       </a:pPr>
                       <a:r>
-                        <a:rPr lang="en-US" sz="1700" dirty="0" smtClean="0"/>
+                        <a:rPr lang="en-US" sz="1700" dirty="0"/>
                         <a:t>He was refused admittance by the Durban.</a:t>
                       </a:r>
                     </a:p>
@@ -9571,11 +9629,11 @@
                         <a:buAutoNum type="arabicPeriod"/>
                       </a:pPr>
                       <a:r>
-                        <a:rPr lang="en-US" sz="1700" dirty="0" smtClean="0"/>
+                        <a:rPr lang="en-US" sz="1700" dirty="0"/>
                         <a:t>Admittance</a:t>
                       </a:r>
                       <a:r>
-                        <a:rPr lang="en-US" sz="1700" baseline="0" dirty="0" smtClean="0"/>
+                        <a:rPr lang="en-US" sz="1700" baseline="0" dirty="0"/>
                         <a:t> was refused him by the Durban</a:t>
                       </a:r>
                       <a:endParaRPr lang="en-US" sz="1700" dirty="0"/>
@@ -9589,6 +9647,11 @@
                     </a:solidFill>
                   </a:tcPr>
                 </a:tc>
+                <a:extLst>
+                  <a:ext uri="{0D108BD9-81ED-4DB2-BD59-A6C34878D82A}">
+                    <a16:rowId xmlns:a16="http://schemas.microsoft.com/office/drawing/2014/main" val="10001"/>
+                  </a:ext>
+                </a:extLst>
               </a:tr>
               <a:tr h="370840">
                 <a:tc>
@@ -9597,11 +9660,11 @@
                     <a:lstStyle/>
                     <a:p>
                       <a:r>
-                        <a:rPr lang="en-US" sz="1700" dirty="0" smtClean="0"/>
+                        <a:rPr lang="en-US" sz="1700" dirty="0"/>
                         <a:t>Mr. Kay</a:t>
                       </a:r>
                       <a:r>
-                        <a:rPr lang="en-US" sz="1700" baseline="0" dirty="0" smtClean="0"/>
+                        <a:rPr lang="en-US" sz="1700" baseline="0" dirty="0"/>
                         <a:t> teaches us grammar.</a:t>
                       </a:r>
                       <a:endParaRPr lang="en-US" sz="1700" dirty="0"/>
@@ -9624,7 +9687,7 @@
                         <a:buAutoNum type="arabicPeriod"/>
                       </a:pPr>
                       <a:r>
-                        <a:rPr lang="en-US" sz="1700" dirty="0" smtClean="0"/>
+                        <a:rPr lang="en-US" sz="1700" dirty="0"/>
                         <a:t>Grammar is taught use by Mr. Kay.</a:t>
                       </a:r>
                     </a:p>
@@ -9633,11 +9696,11 @@
                         <a:buAutoNum type="arabicPeriod"/>
                       </a:pPr>
                       <a:r>
-                        <a:rPr lang="en-US" sz="1700" dirty="0" smtClean="0"/>
+                        <a:rPr lang="en-US" sz="1700" dirty="0"/>
                         <a:t>We</a:t>
                       </a:r>
                       <a:r>
-                        <a:rPr lang="en-US" sz="1700" baseline="0" dirty="0" smtClean="0"/>
+                        <a:rPr lang="en-US" sz="1700" baseline="0" dirty="0"/>
                         <a:t> are taught grammar by Mr. Kay.</a:t>
                       </a:r>
                     </a:p>
@@ -9650,6 +9713,11 @@
                     </a:solidFill>
                   </a:tcPr>
                 </a:tc>
+                <a:extLst>
+                  <a:ext uri="{0D108BD9-81ED-4DB2-BD59-A6C34878D82A}">
+                    <a16:rowId xmlns:a16="http://schemas.microsoft.com/office/drawing/2014/main" val="10002"/>
+                  </a:ext>
+                </a:extLst>
               </a:tr>
               <a:tr h="370840">
                 <a:tc>
@@ -9658,10 +9726,9 @@
                     <a:lstStyle/>
                     <a:p>
                       <a:r>
-                        <a:rPr lang="en-US" sz="1700" dirty="0" smtClean="0"/>
+                        <a:rPr lang="en-US" sz="1700" dirty="0"/>
                         <a:t>The manager will give you a ticket.</a:t>
                       </a:r>
-                      <a:endParaRPr lang="en-US" sz="1700" dirty="0"/>
                     </a:p>
                   </a:txBody>
                   <a:tcPr>
@@ -9681,7 +9748,7 @@
                         <a:buAutoNum type="arabicPeriod"/>
                       </a:pPr>
                       <a:r>
-                        <a:rPr lang="en-US" sz="1700" baseline="0" dirty="0" smtClean="0"/>
+                        <a:rPr lang="en-US" sz="1700" baseline="0" dirty="0"/>
                         <a:t>A ticket will be given you by the manager.</a:t>
                       </a:r>
                     </a:p>
@@ -9690,7 +9757,7 @@
                         <a:buAutoNum type="arabicPeriod"/>
                       </a:pPr>
                       <a:r>
-                        <a:rPr lang="en-US" sz="1700" baseline="0" dirty="0" smtClean="0"/>
+                        <a:rPr lang="en-US" sz="1700" baseline="0" dirty="0"/>
                         <a:t>You will be given a ticket by the manager.</a:t>
                       </a:r>
                     </a:p>
@@ -9703,6 +9770,11 @@
                     </a:solidFill>
                   </a:tcPr>
                 </a:tc>
+                <a:extLst>
+                  <a:ext uri="{0D108BD9-81ED-4DB2-BD59-A6C34878D82A}">
+                    <a16:rowId xmlns:a16="http://schemas.microsoft.com/office/drawing/2014/main" val="10003"/>
+                  </a:ext>
+                </a:extLst>
               </a:tr>
               <a:tr h="370840">
                 <a:tc>
@@ -9711,10 +9783,9 @@
                     <a:lstStyle/>
                     <a:p>
                       <a:r>
-                        <a:rPr lang="en-US" sz="1700" dirty="0" smtClean="0"/>
+                        <a:rPr lang="en-US" sz="1700" dirty="0"/>
                         <a:t>Who taught you French?</a:t>
                       </a:r>
-                      <a:endParaRPr lang="en-US" sz="1700" dirty="0"/>
                     </a:p>
                   </a:txBody>
                   <a:tcPr>
@@ -9734,7 +9805,7 @@
                         <a:buAutoNum type="arabicPeriod"/>
                       </a:pPr>
                       <a:r>
-                        <a:rPr lang="en-US" sz="1700" baseline="0" dirty="0" smtClean="0"/>
+                        <a:rPr lang="en-US" sz="1700" baseline="0" dirty="0"/>
                         <a:t>By whom was French taught you?</a:t>
                       </a:r>
                     </a:p>
@@ -9743,7 +9814,7 @@
                         <a:buAutoNum type="arabicPeriod"/>
                       </a:pPr>
                       <a:r>
-                        <a:rPr lang="en-US" sz="1700" baseline="0" dirty="0" smtClean="0"/>
+                        <a:rPr lang="en-US" sz="1700" baseline="0" dirty="0"/>
                         <a:t>By whom were you taught French?</a:t>
                       </a:r>
                     </a:p>
@@ -9756,6 +9827,11 @@
                     </a:solidFill>
                   </a:tcPr>
                 </a:tc>
+                <a:extLst>
+                  <a:ext uri="{0D108BD9-81ED-4DB2-BD59-A6C34878D82A}">
+                    <a16:rowId xmlns:a16="http://schemas.microsoft.com/office/drawing/2014/main" val="10004"/>
+                  </a:ext>
+                </a:extLst>
               </a:tr>
               <a:tr h="370840">
                 <a:tc>
@@ -9764,10 +9840,9 @@
                     <a:lstStyle/>
                     <a:p>
                       <a:r>
-                        <a:rPr lang="en-US" sz="1700" dirty="0" smtClean="0"/>
+                        <a:rPr lang="en-US" sz="1700" dirty="0"/>
                         <a:t>He handed her a chair.</a:t>
                       </a:r>
-                      <a:endParaRPr lang="en-US" sz="1700" dirty="0"/>
                     </a:p>
                   </a:txBody>
                   <a:tcPr>
@@ -9787,7 +9862,7 @@
                         <a:buAutoNum type="arabicPeriod"/>
                       </a:pPr>
                       <a:r>
-                        <a:rPr lang="en-US" sz="1700" baseline="0" dirty="0" smtClean="0"/>
+                        <a:rPr lang="en-US" sz="1700" baseline="0" dirty="0"/>
                         <a:t>A chair was handed her.</a:t>
                       </a:r>
                     </a:p>
@@ -9796,7 +9871,7 @@
                         <a:buAutoNum type="arabicPeriod"/>
                       </a:pPr>
                       <a:r>
-                        <a:rPr lang="en-US" sz="1700" baseline="0" dirty="0" smtClean="0"/>
+                        <a:rPr lang="en-US" sz="1700" baseline="0" dirty="0"/>
                         <a:t>She was handed a chair.</a:t>
                       </a:r>
                     </a:p>
@@ -9809,6 +9884,11 @@
                     </a:solidFill>
                   </a:tcPr>
                 </a:tc>
+                <a:extLst>
+                  <a:ext uri="{0D108BD9-81ED-4DB2-BD59-A6C34878D82A}">
+                    <a16:rowId xmlns:a16="http://schemas.microsoft.com/office/drawing/2014/main" val="10005"/>
+                  </a:ext>
+                </a:extLst>
               </a:tr>
             </a:tbl>
           </a:graphicData>
@@ -9863,7 +9943,7 @@
               <a:buNone/>
             </a:pPr>
             <a:r>
-              <a:rPr lang="en-US" dirty="0" smtClean="0"/>
+              <a:rPr lang="en-US" dirty="0"/>
               <a:t>Compare : ––</a:t>
             </a:r>
           </a:p>
@@ -9873,15 +9953,15 @@
               <a:buAutoNum type="arabicPeriod"/>
             </a:pPr>
             <a:r>
-              <a:rPr lang="en-US" dirty="0" smtClean="0"/>
+              <a:rPr lang="en-US" dirty="0"/>
               <a:t>The window </a:t>
             </a:r>
             <a:r>
-              <a:rPr lang="en-US" u="sng" dirty="0" smtClean="0"/>
+              <a:rPr lang="en-US" u="sng" dirty="0"/>
               <a:t>is</a:t>
             </a:r>
             <a:r>
-              <a:rPr lang="en-US" dirty="0" smtClean="0"/>
+              <a:rPr lang="en-US" dirty="0"/>
               <a:t> broken.</a:t>
             </a:r>
           </a:p>
@@ -9891,15 +9971,15 @@
               <a:buAutoNum type="arabicPeriod"/>
             </a:pPr>
             <a:r>
-              <a:rPr lang="en-US" dirty="0" smtClean="0"/>
+              <a:rPr lang="en-US" dirty="0"/>
               <a:t>He </a:t>
             </a:r>
             <a:r>
-              <a:rPr lang="en-US" u="sng" dirty="0" smtClean="0"/>
+              <a:rPr lang="en-US" u="sng" dirty="0"/>
               <a:t>is gone</a:t>
             </a:r>
             <a:r>
-              <a:rPr lang="en-US" dirty="0" smtClean="0"/>
+              <a:rPr lang="en-US" dirty="0"/>
               <a:t>. (= He has gone).</a:t>
             </a:r>
           </a:p>
@@ -9908,125 +9988,84 @@
               <a:buNone/>
             </a:pPr>
             <a:r>
-              <a:rPr lang="en-US" dirty="0" smtClean="0"/>
-              <a:t>The verb ‘is broken’ is in the Passive Voice. However, do not make the mistake of supposing that the verb ‘is gone’ is in the Passive Voice. The verb ‘go’ is Intransitive, and only a Transitive </a:t>
-            </a:r>
-            <a:r>
-              <a:rPr lang="en-US" dirty="0" smtClean="0"/>
-              <a:t>V</a:t>
-            </a:r>
-            <a:r>
-              <a:rPr lang="en-US" dirty="0" smtClean="0"/>
-              <a:t>erb can be used in the Passive Voice.</a:t>
+              <a:rPr lang="en-US" dirty="0"/>
+              <a:t>The verb ‘is broken’ is in the Passive Voice. However, do not make the mistake of supposing that the verb ‘is gone’ is in the Passive Voice. The verb ‘go’ is Intransitive, and only a Transitive Verb can be used in the Passive Voice.</a:t>
             </a:r>
           </a:p>
           <a:p>
             <a:pPr marL="0" indent="0">
               <a:buNone/>
             </a:pPr>
-            <a:endParaRPr lang="en-US" sz="100" dirty="0" smtClean="0"/>
+            <a:endParaRPr lang="en-US" sz="100" dirty="0"/>
           </a:p>
           <a:p>
             <a:pPr marL="0" indent="0">
               <a:buNone/>
             </a:pPr>
             <a:r>
-              <a:rPr lang="en-US" dirty="0" smtClean="0"/>
-              <a:t>There are few </a:t>
-            </a:r>
-            <a:r>
-              <a:rPr lang="en-US" dirty="0" smtClean="0"/>
-              <a:t>T</a:t>
-            </a:r>
-            <a:r>
-              <a:rPr lang="en-US" dirty="0" smtClean="0"/>
-              <a:t>ransitive Verbs which, even in an Active form, are sometimes used in Passive sense; as</a:t>
+              <a:rPr lang="en-US" dirty="0"/>
+              <a:t>There are few Transitive Verbs which, even in an Active form, are sometimes used in Passive sense; as</a:t>
             </a:r>
           </a:p>
           <a:p>
             <a:pPr marL="685800" lvl="1"/>
             <a:r>
-              <a:rPr lang="en-US" dirty="0" smtClean="0"/>
+              <a:rPr lang="en-US" dirty="0"/>
               <a:t>These mangoes </a:t>
             </a:r>
             <a:r>
-              <a:rPr lang="en-US" u="sng" dirty="0" smtClean="0"/>
+              <a:rPr lang="en-US" u="sng" dirty="0"/>
               <a:t>taste</a:t>
             </a:r>
             <a:r>
-              <a:rPr lang="en-US" dirty="0" smtClean="0"/>
+              <a:rPr lang="en-US" dirty="0"/>
               <a:t> sour (i.e., are sour when they are tasted).</a:t>
             </a:r>
           </a:p>
           <a:p>
             <a:pPr marL="685800" lvl="1"/>
             <a:r>
-              <a:rPr lang="en-US" dirty="0" smtClean="0"/>
+              <a:rPr lang="en-US" dirty="0"/>
               <a:t>The rose </a:t>
             </a:r>
             <a:r>
-              <a:rPr lang="en-US" u="sng" dirty="0" smtClean="0"/>
+              <a:rPr lang="en-US" u="sng" dirty="0"/>
               <a:t>smells</a:t>
             </a:r>
             <a:r>
-              <a:rPr lang="en-US" dirty="0" smtClean="0"/>
-              <a:t> sweet (</a:t>
-            </a:r>
-            <a:r>
-              <a:rPr lang="en-US" dirty="0" smtClean="0"/>
-              <a:t>i.e., </a:t>
-            </a:r>
-            <a:r>
-              <a:rPr lang="en-US" dirty="0" smtClean="0"/>
-              <a:t>is sweet when it is smelt0.</a:t>
+              <a:rPr lang="en-US" dirty="0"/>
+              <a:t> sweet (i.e., is sweet when it is smelt0.</a:t>
             </a:r>
           </a:p>
           <a:p>
             <a:pPr marL="685800" lvl="1"/>
             <a:r>
-              <a:rPr lang="en-US" dirty="0" smtClean="0"/>
+              <a:rPr lang="en-US" dirty="0"/>
               <a:t>At least the play </a:t>
             </a:r>
             <a:r>
-              <a:rPr lang="en-US" u="sng" dirty="0" smtClean="0"/>
+              <a:rPr lang="en-US" u="sng" dirty="0"/>
               <a:t>reads</a:t>
             </a:r>
             <a:r>
-              <a:rPr lang="en-US" dirty="0" smtClean="0"/>
-              <a:t> well (</a:t>
-            </a:r>
-            <a:r>
-              <a:rPr lang="en-US" dirty="0" smtClean="0"/>
-              <a:t>i.e., </a:t>
-            </a:r>
-            <a:r>
-              <a:rPr lang="en-US" dirty="0" smtClean="0"/>
-              <a:t>affects the reader well when it is read).</a:t>
+              <a:rPr lang="en-US" dirty="0"/>
+              <a:t> well (i.e., affects the reader well when it is read).</a:t>
             </a:r>
           </a:p>
           <a:p>
             <a:pPr marL="685800" lvl="1"/>
             <a:r>
-              <a:rPr lang="en-US" dirty="0" smtClean="0"/>
+              <a:rPr lang="en-US" dirty="0"/>
               <a:t>The cakes </a:t>
             </a:r>
             <a:r>
-              <a:rPr lang="en-US" u="sng" dirty="0" smtClean="0"/>
+              <a:rPr lang="en-US" u="sng" dirty="0"/>
               <a:t>eat</a:t>
             </a:r>
             <a:r>
-              <a:rPr lang="en-US" dirty="0" smtClean="0"/>
-              <a:t> short and sweet (</a:t>
-            </a:r>
-            <a:r>
-              <a:rPr lang="en-US" dirty="0" smtClean="0"/>
-              <a:t>i.e., </a:t>
-            </a:r>
-            <a:r>
-              <a:rPr lang="en-US" dirty="0" smtClean="0"/>
-              <a:t>are the short and crisp when they are eaten).</a:t>
-            </a:r>
-            <a:endParaRPr lang="en-US" dirty="0"/>
+              <a:rPr lang="en-US" dirty="0"/>
+              <a:t> short and sweet (i.e., are the short and crisp when they are eaten).</a:t>
+            </a:r>
           </a:p>
         </p:txBody>
       </p:sp>
@@ -10073,10 +10112,9 @@
           <a:lstStyle/>
           <a:p>
             <a:r>
-              <a:rPr lang="en-US" sz="4400" dirty="0" smtClean="0"/>
+              <a:rPr lang="en-US" sz="4400" dirty="0"/>
               <a:t>The End</a:t>
             </a:r>
-            <a:endParaRPr lang="en-US" sz="4400" dirty="0"/>
           </a:p>
         </p:txBody>
       </p:sp>
@@ -10325,7 +10363,7 @@
   <a:extraClrSchemeLst/>
   <a:extLst>
     <a:ext uri="{05A4C25C-085E-4340-85A3-A5531E510DB2}">
-      <thm15:themeFamily xmlns:thm15="http://schemas.microsoft.com/office/thememl/2012/main" xmlns="" name="Wisp" id="{7CB32D59-10C0-40DD-B7BD-2E94284A981C}" vid="{24B1A44C-C006-48B2-A4D7-E5549B3D8CD4}"/>
+      <thm15:themeFamily xmlns:thm15="http://schemas.microsoft.com/office/thememl/2012/main" name="Wisp" id="{7CB32D59-10C0-40DD-B7BD-2E94284A981C}" vid="{24B1A44C-C006-48B2-A4D7-E5549B3D8CD4}"/>
     </a:ext>
   </a:extLst>
 </a:theme>
